--- a/heasy-iot-emqx-collector/doc/数据收集和分发的架构图.pptx
+++ b/heasy-iot-emqx-collector/doc/数据收集和分发的架构图.pptx
@@ -6,6 +6,7 @@
   </p:sldMasterIdLst>
   <p:sldIdLst>
     <p:sldId id="257" r:id="rId2"/>
+    <p:sldId id="258" r:id="rId3"/>
   </p:sldIdLst>
   <p:sldSz cx="9144000" cy="6858000" type="screen4x3"/>
   <p:notesSz cx="6858000" cy="9144000"/>
@@ -3067,7 +3068,7 @@
         </p:nvSpPr>
         <p:spPr>
           <a:xfrm>
-            <a:off x="2051720" y="539253"/>
+            <a:off x="3097540" y="396034"/>
             <a:ext cx="2160240" cy="504056"/>
           </a:xfrm>
           <a:prstGeom prst="rect">
@@ -3123,7 +3124,7 @@
         </p:nvSpPr>
         <p:spPr>
           <a:xfrm>
-            <a:off x="2051720" y="1547365"/>
+            <a:off x="3097540" y="1404146"/>
             <a:ext cx="2160240" cy="504056"/>
           </a:xfrm>
           <a:prstGeom prst="rect">
@@ -3159,6 +3160,22 @@
           <a:p>
             <a:pPr algn="ctr"/>
             <a:r>
+              <a:rPr lang="zh-CN" altLang="en-US" sz="1400" dirty="0" smtClean="0">
+                <a:solidFill>
+                  <a:schemeClr val="tx1"/>
+                </a:solidFill>
+              </a:rPr>
+              <a:t>数据收集器</a:t>
+            </a:r>
+            <a:endParaRPr lang="en-US" altLang="zh-CN" sz="1400" dirty="0" smtClean="0">
+              <a:solidFill>
+                <a:schemeClr val="tx1"/>
+              </a:solidFill>
+            </a:endParaRPr>
+          </a:p>
+          <a:p>
+            <a:pPr algn="ctr"/>
+            <a:r>
               <a:rPr lang="en-US" altLang="zh-CN" sz="1400" dirty="0" err="1" smtClean="0">
                 <a:solidFill>
                   <a:schemeClr val="tx1"/>
@@ -3185,7 +3202,7 @@
         </p:nvCxnSpPr>
         <p:spPr>
           <a:xfrm>
-            <a:off x="3131840" y="1043309"/>
+            <a:off x="4177660" y="900090"/>
             <a:ext cx="0" cy="504056"/>
           </a:xfrm>
           <a:prstGeom prst="straightConnector1">
@@ -3218,7 +3235,7 @@
         </p:nvSpPr>
         <p:spPr>
           <a:xfrm>
-            <a:off x="3131840" y="1115317"/>
+            <a:off x="4177660" y="972098"/>
             <a:ext cx="842154" cy="276999"/>
           </a:xfrm>
           <a:prstGeom prst="rect">
@@ -3242,22 +3259,22 @@
       </p:sp>
       <p:sp>
         <p:nvSpPr>
-          <p:cNvPr id="20" name="矩形 19"/>
+          <p:cNvPr id="53" name="矩形 52"/>
           <p:cNvSpPr/>
           <p:nvPr/>
         </p:nvSpPr>
         <p:spPr>
           <a:xfrm>
-            <a:off x="467544" y="2564904"/>
-            <a:ext cx="1008112" cy="504056"/>
+            <a:off x="1979712" y="2348880"/>
+            <a:ext cx="4392488" cy="1008112"/>
           </a:xfrm>
           <a:prstGeom prst="rect">
             <a:avLst/>
           </a:prstGeom>
           <a:solidFill>
-            <a:schemeClr val="accent2">
-              <a:lumMod val="60000"/>
-              <a:lumOff val="40000"/>
+            <a:schemeClr val="accent5">
+              <a:lumMod val="20000"/>
+              <a:lumOff val="80000"/>
             </a:schemeClr>
           </a:solidFill>
           <a:ln w="3175"/>
@@ -3279,8 +3296,547 @@
           </a:fontRef>
         </p:style>
         <p:txBody>
+          <a:bodyPr rtlCol="0" anchor="t" anchorCtr="0"/>
+          <a:lstStyle/>
+          <a:p>
+            <a:r>
+              <a:rPr lang="zh-CN" altLang="en-US" sz="1200" dirty="0" smtClean="0">
+                <a:solidFill>
+                  <a:schemeClr val="tx1"/>
+                </a:solidFill>
+              </a:rPr>
+              <a:t>持久层</a:t>
+            </a:r>
+            <a:endParaRPr lang="zh-CN" altLang="en-US" sz="1200" dirty="0">
+              <a:solidFill>
+                <a:schemeClr val="tx1"/>
+              </a:solidFill>
+            </a:endParaRPr>
+          </a:p>
+        </p:txBody>
+      </p:sp>
+      <p:sp>
+        <p:nvSpPr>
+          <p:cNvPr id="54" name="矩形 53"/>
+          <p:cNvSpPr/>
+          <p:nvPr/>
+        </p:nvSpPr>
+        <p:spPr>
+          <a:xfrm>
+            <a:off x="2123728" y="2708920"/>
+            <a:ext cx="792088" cy="504056"/>
+          </a:xfrm>
+          <a:prstGeom prst="rect">
+            <a:avLst/>
+          </a:prstGeom>
+          <a:solidFill>
+            <a:schemeClr val="accent5">
+              <a:lumMod val="75000"/>
+            </a:schemeClr>
+          </a:solidFill>
+          <a:ln w="3175"/>
+        </p:spPr>
+        <p:style>
+          <a:lnRef idx="2">
+            <a:schemeClr val="accent1">
+              <a:shade val="50000"/>
+            </a:schemeClr>
+          </a:lnRef>
+          <a:fillRef idx="1">
+            <a:schemeClr val="accent1"/>
+          </a:fillRef>
+          <a:effectRef idx="0">
+            <a:schemeClr val="accent1"/>
+          </a:effectRef>
+          <a:fontRef idx="minor">
+            <a:schemeClr val="lt1"/>
+          </a:fontRef>
+        </p:style>
+        <p:txBody>
           <a:bodyPr rtlCol="0" anchor="ctr"/>
           <a:lstStyle/>
+          <a:p>
+            <a:pPr algn="ctr"/>
+            <a:r>
+              <a:rPr lang="en-US" altLang="zh-CN" sz="1400" dirty="0" err="1" smtClean="0">
+                <a:solidFill>
+                  <a:schemeClr val="bg1"/>
+                </a:solidFill>
+              </a:rPr>
+              <a:t>LogFiler</a:t>
+            </a:r>
+            <a:endParaRPr lang="zh-CN" altLang="en-US" sz="1400" dirty="0">
+              <a:solidFill>
+                <a:schemeClr val="bg1"/>
+              </a:solidFill>
+            </a:endParaRPr>
+          </a:p>
+        </p:txBody>
+      </p:sp>
+      <p:sp>
+        <p:nvSpPr>
+          <p:cNvPr id="55" name="矩形 54"/>
+          <p:cNvSpPr/>
+          <p:nvPr/>
+        </p:nvSpPr>
+        <p:spPr>
+          <a:xfrm>
+            <a:off x="2987824" y="2708920"/>
+            <a:ext cx="792088" cy="504056"/>
+          </a:xfrm>
+          <a:prstGeom prst="rect">
+            <a:avLst/>
+          </a:prstGeom>
+          <a:solidFill>
+            <a:schemeClr val="accent5">
+              <a:lumMod val="75000"/>
+            </a:schemeClr>
+          </a:solidFill>
+          <a:ln w="3175"/>
+        </p:spPr>
+        <p:style>
+          <a:lnRef idx="2">
+            <a:schemeClr val="accent1">
+              <a:shade val="50000"/>
+            </a:schemeClr>
+          </a:lnRef>
+          <a:fillRef idx="1">
+            <a:schemeClr val="accent1"/>
+          </a:fillRef>
+          <a:effectRef idx="0">
+            <a:schemeClr val="accent1"/>
+          </a:effectRef>
+          <a:fontRef idx="minor">
+            <a:schemeClr val="lt1"/>
+          </a:fontRef>
+        </p:style>
+        <p:txBody>
+          <a:bodyPr rtlCol="0" anchor="ctr"/>
+          <a:lstStyle/>
+          <a:p>
+            <a:pPr algn="ctr"/>
+            <a:r>
+              <a:rPr lang="en-US" altLang="zh-CN" sz="1400" dirty="0" err="1" smtClean="0">
+                <a:solidFill>
+                  <a:schemeClr val="bg1"/>
+                </a:solidFill>
+              </a:rPr>
+              <a:t>MySQL</a:t>
+            </a:r>
+            <a:endParaRPr lang="zh-CN" altLang="en-US" sz="1400" dirty="0">
+              <a:solidFill>
+                <a:schemeClr val="bg1"/>
+              </a:solidFill>
+            </a:endParaRPr>
+          </a:p>
+        </p:txBody>
+      </p:sp>
+      <p:sp>
+        <p:nvSpPr>
+          <p:cNvPr id="56" name="矩形 55"/>
+          <p:cNvSpPr/>
+          <p:nvPr/>
+        </p:nvSpPr>
+        <p:spPr>
+          <a:xfrm>
+            <a:off x="3851920" y="2708920"/>
+            <a:ext cx="936104" cy="504056"/>
+          </a:xfrm>
+          <a:prstGeom prst="rect">
+            <a:avLst/>
+          </a:prstGeom>
+          <a:solidFill>
+            <a:schemeClr val="accent5">
+              <a:lumMod val="75000"/>
+            </a:schemeClr>
+          </a:solidFill>
+          <a:ln w="3175"/>
+        </p:spPr>
+        <p:style>
+          <a:lnRef idx="2">
+            <a:schemeClr val="accent1">
+              <a:shade val="50000"/>
+            </a:schemeClr>
+          </a:lnRef>
+          <a:fillRef idx="1">
+            <a:schemeClr val="accent1"/>
+          </a:fillRef>
+          <a:effectRef idx="0">
+            <a:schemeClr val="accent1"/>
+          </a:effectRef>
+          <a:fontRef idx="minor">
+            <a:schemeClr val="lt1"/>
+          </a:fontRef>
+        </p:style>
+        <p:txBody>
+          <a:bodyPr rtlCol="0" anchor="ctr"/>
+          <a:lstStyle/>
+          <a:p>
+            <a:pPr algn="ctr"/>
+            <a:r>
+              <a:rPr lang="en-US" altLang="zh-CN" sz="1400" dirty="0" err="1" smtClean="0">
+                <a:solidFill>
+                  <a:schemeClr val="bg1"/>
+                </a:solidFill>
+              </a:rPr>
+              <a:t>MongoDB</a:t>
+            </a:r>
+            <a:endParaRPr lang="zh-CN" altLang="en-US" sz="1400" dirty="0">
+              <a:solidFill>
+                <a:schemeClr val="bg1"/>
+              </a:solidFill>
+            </a:endParaRPr>
+          </a:p>
+        </p:txBody>
+      </p:sp>
+      <p:sp>
+        <p:nvSpPr>
+          <p:cNvPr id="57" name="矩形 56"/>
+          <p:cNvSpPr/>
+          <p:nvPr/>
+        </p:nvSpPr>
+        <p:spPr>
+          <a:xfrm>
+            <a:off x="4860032" y="2708920"/>
+            <a:ext cx="648072" cy="504056"/>
+          </a:xfrm>
+          <a:prstGeom prst="rect">
+            <a:avLst/>
+          </a:prstGeom>
+          <a:solidFill>
+            <a:schemeClr val="accent5">
+              <a:lumMod val="75000"/>
+            </a:schemeClr>
+          </a:solidFill>
+          <a:ln w="3175"/>
+        </p:spPr>
+        <p:style>
+          <a:lnRef idx="2">
+            <a:schemeClr val="accent1">
+              <a:shade val="50000"/>
+            </a:schemeClr>
+          </a:lnRef>
+          <a:fillRef idx="1">
+            <a:schemeClr val="accent1"/>
+          </a:fillRef>
+          <a:effectRef idx="0">
+            <a:schemeClr val="accent1"/>
+          </a:effectRef>
+          <a:fontRef idx="minor">
+            <a:schemeClr val="lt1"/>
+          </a:fontRef>
+        </p:style>
+        <p:txBody>
+          <a:bodyPr rtlCol="0" anchor="ctr"/>
+          <a:lstStyle/>
+          <a:p>
+            <a:pPr algn="ctr"/>
+            <a:r>
+              <a:rPr lang="en-US" altLang="zh-CN" sz="1400" dirty="0" err="1" smtClean="0">
+                <a:solidFill>
+                  <a:schemeClr val="bg1"/>
+                </a:solidFill>
+              </a:rPr>
+              <a:t>Redis</a:t>
+            </a:r>
+            <a:endParaRPr lang="zh-CN" altLang="en-US" sz="1400" dirty="0">
+              <a:solidFill>
+                <a:schemeClr val="bg1"/>
+              </a:solidFill>
+            </a:endParaRPr>
+          </a:p>
+        </p:txBody>
+      </p:sp>
+      <p:sp>
+        <p:nvSpPr>
+          <p:cNvPr id="58" name="矩形 57"/>
+          <p:cNvSpPr/>
+          <p:nvPr/>
+        </p:nvSpPr>
+        <p:spPr>
+          <a:xfrm>
+            <a:off x="5580112" y="2708920"/>
+            <a:ext cx="648072" cy="504056"/>
+          </a:xfrm>
+          <a:prstGeom prst="rect">
+            <a:avLst/>
+          </a:prstGeom>
+          <a:solidFill>
+            <a:schemeClr val="accent5">
+              <a:lumMod val="75000"/>
+            </a:schemeClr>
+          </a:solidFill>
+          <a:ln w="3175"/>
+        </p:spPr>
+        <p:style>
+          <a:lnRef idx="2">
+            <a:schemeClr val="accent1">
+              <a:shade val="50000"/>
+            </a:schemeClr>
+          </a:lnRef>
+          <a:fillRef idx="1">
+            <a:schemeClr val="accent1"/>
+          </a:fillRef>
+          <a:effectRef idx="0">
+            <a:schemeClr val="accent1"/>
+          </a:effectRef>
+          <a:fontRef idx="minor">
+            <a:schemeClr val="lt1"/>
+          </a:fontRef>
+        </p:style>
+        <p:txBody>
+          <a:bodyPr rtlCol="0" anchor="ctr"/>
+          <a:lstStyle/>
+          <a:p>
+            <a:pPr algn="ctr"/>
+            <a:r>
+              <a:rPr lang="en-US" altLang="zh-CN" sz="1400" dirty="0" smtClean="0">
+                <a:solidFill>
+                  <a:schemeClr val="bg1"/>
+                </a:solidFill>
+              </a:rPr>
+              <a:t>Kafka</a:t>
+            </a:r>
+            <a:endParaRPr lang="zh-CN" altLang="en-US" sz="1400" dirty="0">
+              <a:solidFill>
+                <a:schemeClr val="bg1"/>
+              </a:solidFill>
+            </a:endParaRPr>
+          </a:p>
+        </p:txBody>
+      </p:sp>
+      <p:cxnSp>
+        <p:nvCxnSpPr>
+          <p:cNvPr id="60" name="直接箭头连接符 59"/>
+          <p:cNvCxnSpPr>
+            <a:stCxn id="13" idx="2"/>
+            <a:endCxn id="53" idx="0"/>
+          </p:cNvCxnSpPr>
+          <p:nvPr/>
+        </p:nvCxnSpPr>
+        <p:spPr>
+          <a:xfrm flipH="1">
+            <a:off x="4175956" y="1908202"/>
+            <a:ext cx="1704" cy="440678"/>
+          </a:xfrm>
+          <a:prstGeom prst="straightConnector1">
+            <a:avLst/>
+          </a:prstGeom>
+          <a:ln>
+            <a:tailEnd type="arrow"/>
+          </a:ln>
+        </p:spPr>
+        <p:style>
+          <a:lnRef idx="1">
+            <a:schemeClr val="accent1"/>
+          </a:lnRef>
+          <a:fillRef idx="0">
+            <a:schemeClr val="accent1"/>
+          </a:fillRef>
+          <a:effectRef idx="0">
+            <a:schemeClr val="accent1"/>
+          </a:effectRef>
+          <a:fontRef idx="minor">
+            <a:schemeClr val="tx1"/>
+          </a:fontRef>
+        </p:style>
+      </p:cxnSp>
+    </p:spTree>
+  </p:cSld>
+  <p:clrMapOvr>
+    <a:masterClrMapping/>
+  </p:clrMapOvr>
+</p:sld>
+</file>
+
+<file path=ppt/slides/slide2.xml><?xml version="1.0" encoding="utf-8"?>
+<p:sld xmlns:a="http://schemas.openxmlformats.org/drawingml/2006/main" xmlns:r="http://schemas.openxmlformats.org/officeDocument/2006/relationships" xmlns:p="http://schemas.openxmlformats.org/presentationml/2006/main">
+  <p:cSld>
+    <p:spTree>
+      <p:nvGrpSpPr>
+        <p:cNvPr id="1" name=""/>
+        <p:cNvGrpSpPr/>
+        <p:nvPr/>
+      </p:nvGrpSpPr>
+      <p:grpSpPr>
+        <a:xfrm>
+          <a:off x="0" y="0"/>
+          <a:ext cx="0" cy="0"/>
+          <a:chOff x="0" y="0"/>
+          <a:chExt cx="0" cy="0"/>
+        </a:xfrm>
+      </p:grpSpPr>
+      <p:sp>
+        <p:nvSpPr>
+          <p:cNvPr id="59" name="矩形 58"/>
+          <p:cNvSpPr/>
+          <p:nvPr/>
+        </p:nvSpPr>
+        <p:spPr>
+          <a:xfrm>
+            <a:off x="1835696" y="3356992"/>
+            <a:ext cx="4392488" cy="1008112"/>
+          </a:xfrm>
+          <a:prstGeom prst="rect">
+            <a:avLst/>
+          </a:prstGeom>
+          <a:solidFill>
+            <a:schemeClr val="accent5">
+              <a:lumMod val="20000"/>
+              <a:lumOff val="80000"/>
+            </a:schemeClr>
+          </a:solidFill>
+          <a:ln w="3175"/>
+        </p:spPr>
+        <p:style>
+          <a:lnRef idx="2">
+            <a:schemeClr val="accent1">
+              <a:shade val="50000"/>
+            </a:schemeClr>
+          </a:lnRef>
+          <a:fillRef idx="1">
+            <a:schemeClr val="accent1"/>
+          </a:fillRef>
+          <a:effectRef idx="0">
+            <a:schemeClr val="accent1"/>
+          </a:effectRef>
+          <a:fontRef idx="minor">
+            <a:schemeClr val="lt1"/>
+          </a:fontRef>
+        </p:style>
+        <p:txBody>
+          <a:bodyPr rtlCol="0" anchor="t" anchorCtr="0"/>
+          <a:lstStyle/>
+          <a:p>
+            <a:r>
+              <a:rPr lang="zh-CN" altLang="en-US" sz="1200" dirty="0" smtClean="0">
+                <a:solidFill>
+                  <a:schemeClr val="tx1"/>
+                </a:solidFill>
+              </a:rPr>
+              <a:t>持久层</a:t>
+            </a:r>
+            <a:endParaRPr lang="zh-CN" altLang="en-US" sz="1200" dirty="0">
+              <a:solidFill>
+                <a:schemeClr val="tx1"/>
+              </a:solidFill>
+            </a:endParaRPr>
+          </a:p>
+        </p:txBody>
+      </p:sp>
+      <p:sp>
+        <p:nvSpPr>
+          <p:cNvPr id="35" name="矩形 34"/>
+          <p:cNvSpPr/>
+          <p:nvPr/>
+        </p:nvSpPr>
+        <p:spPr>
+          <a:xfrm>
+            <a:off x="3454172" y="332656"/>
+            <a:ext cx="1224136" cy="504056"/>
+          </a:xfrm>
+          <a:prstGeom prst="rect">
+            <a:avLst/>
+          </a:prstGeom>
+          <a:solidFill>
+            <a:srgbClr val="00B050"/>
+          </a:solidFill>
+          <a:ln w="3175"/>
+        </p:spPr>
+        <p:style>
+          <a:lnRef idx="2">
+            <a:schemeClr val="accent1">
+              <a:shade val="50000"/>
+            </a:schemeClr>
+          </a:lnRef>
+          <a:fillRef idx="1">
+            <a:schemeClr val="accent1"/>
+          </a:fillRef>
+          <a:effectRef idx="0">
+            <a:schemeClr val="accent1"/>
+          </a:effectRef>
+          <a:fontRef idx="minor">
+            <a:schemeClr val="lt1"/>
+          </a:fontRef>
+        </p:style>
+        <p:txBody>
+          <a:bodyPr rtlCol="0" anchor="ctr"/>
+          <a:lstStyle/>
+          <a:p>
+            <a:pPr algn="ctr"/>
+            <a:r>
+              <a:rPr lang="en-US" altLang="zh-CN" sz="1400" dirty="0" smtClean="0">
+                <a:solidFill>
+                  <a:schemeClr val="tx1"/>
+                </a:solidFill>
+              </a:rPr>
+              <a:t>EMQ X</a:t>
+            </a:r>
+            <a:endParaRPr lang="zh-CN" altLang="en-US" sz="1400" dirty="0">
+              <a:solidFill>
+                <a:schemeClr val="tx1"/>
+              </a:solidFill>
+            </a:endParaRPr>
+          </a:p>
+        </p:txBody>
+      </p:sp>
+      <p:sp>
+        <p:nvSpPr>
+          <p:cNvPr id="13" name="矩形 12"/>
+          <p:cNvSpPr/>
+          <p:nvPr/>
+        </p:nvSpPr>
+        <p:spPr>
+          <a:xfrm>
+            <a:off x="1725980" y="2339453"/>
+            <a:ext cx="2160240" cy="504056"/>
+          </a:xfrm>
+          <a:prstGeom prst="rect">
+            <a:avLst/>
+          </a:prstGeom>
+          <a:solidFill>
+            <a:schemeClr val="accent4">
+              <a:lumMod val="60000"/>
+              <a:lumOff val="40000"/>
+            </a:schemeClr>
+          </a:solidFill>
+          <a:ln w="3175"/>
+        </p:spPr>
+        <p:style>
+          <a:lnRef idx="2">
+            <a:schemeClr val="accent1">
+              <a:shade val="50000"/>
+            </a:schemeClr>
+          </a:lnRef>
+          <a:fillRef idx="1">
+            <a:schemeClr val="accent1"/>
+          </a:fillRef>
+          <a:effectRef idx="0">
+            <a:schemeClr val="accent1"/>
+          </a:effectRef>
+          <a:fontRef idx="minor">
+            <a:schemeClr val="lt1"/>
+          </a:fontRef>
+        </p:style>
+        <p:txBody>
+          <a:bodyPr rtlCol="0" anchor="ctr"/>
+          <a:lstStyle/>
+          <a:p>
+            <a:pPr algn="ctr"/>
+            <a:r>
+              <a:rPr lang="zh-CN" altLang="en-US" sz="1400" dirty="0" smtClean="0">
+                <a:solidFill>
+                  <a:schemeClr val="tx1"/>
+                </a:solidFill>
+              </a:rPr>
+              <a:t>数据收集器</a:t>
+            </a:r>
+            <a:endParaRPr lang="en-US" altLang="zh-CN" sz="1400" dirty="0" smtClean="0">
+              <a:solidFill>
+                <a:schemeClr val="tx1"/>
+              </a:solidFill>
+            </a:endParaRPr>
+          </a:p>
           <a:p>
             <a:pPr algn="ctr"/>
             <a:r>
@@ -3289,7 +3845,7 @@
                   <a:schemeClr val="tx1"/>
                 </a:solidFill>
               </a:rPr>
-              <a:t>LogFiler</a:t>
+              <a:t>heasy-iot-emqx-collector</a:t>
             </a:r>
             <a:endParaRPr lang="zh-CN" altLang="en-US" sz="1400" dirty="0">
               <a:solidFill>
@@ -3301,17 +3857,506 @@
       </p:sp>
       <p:cxnSp>
         <p:nvCxnSpPr>
-          <p:cNvPr id="22" name="肘形连接符 21"/>
+          <p:cNvPr id="15" name="直接箭头连接符 14"/>
           <p:cNvCxnSpPr>
-            <a:stCxn id="13" idx="2"/>
-            <a:endCxn id="20" idx="0"/>
+            <a:stCxn id="35" idx="2"/>
+            <a:endCxn id="29" idx="0"/>
           </p:cNvCxnSpPr>
           <p:nvPr/>
         </p:nvCxnSpPr>
         <p:spPr>
+          <a:xfrm>
+            <a:off x="4066240" y="836712"/>
+            <a:ext cx="0" cy="513483"/>
+          </a:xfrm>
+          <a:prstGeom prst="straightConnector1">
+            <a:avLst/>
+          </a:prstGeom>
+          <a:ln>
+            <a:tailEnd type="arrow"/>
+          </a:ln>
+        </p:spPr>
+        <p:style>
+          <a:lnRef idx="1">
+            <a:schemeClr val="accent1"/>
+          </a:lnRef>
+          <a:fillRef idx="0">
+            <a:schemeClr val="accent1"/>
+          </a:fillRef>
+          <a:effectRef idx="0">
+            <a:schemeClr val="accent1"/>
+          </a:effectRef>
+          <a:fontRef idx="minor">
+            <a:schemeClr val="tx1"/>
+          </a:fontRef>
+        </p:style>
+      </p:cxnSp>
+      <p:sp>
+        <p:nvSpPr>
+          <p:cNvPr id="16" name="TextBox 15"/>
+          <p:cNvSpPr txBox="1"/>
+          <p:nvPr/>
+        </p:nvSpPr>
+        <p:spPr>
+          <a:xfrm>
+            <a:off x="4030236" y="918147"/>
+            <a:ext cx="864096" cy="276999"/>
+          </a:xfrm>
+          <a:prstGeom prst="rect">
+            <a:avLst/>
+          </a:prstGeom>
+          <a:noFill/>
+        </p:spPr>
+        <p:txBody>
+          <a:bodyPr wrap="square" rtlCol="0">
+            <a:spAutoFit/>
+          </a:bodyPr>
+          <a:lstStyle/>
+          <a:p>
+            <a:r>
+              <a:rPr lang="en-US" altLang="zh-CN" sz="1200" dirty="0" err="1" smtClean="0"/>
+              <a:t>web_hook</a:t>
+            </a:r>
+            <a:endParaRPr lang="zh-CN" altLang="en-US" sz="1200" dirty="0"/>
+          </a:p>
+        </p:txBody>
+      </p:sp>
+      <p:sp>
+        <p:nvSpPr>
+          <p:cNvPr id="20" name="矩形 19"/>
+          <p:cNvSpPr/>
+          <p:nvPr/>
+        </p:nvSpPr>
+        <p:spPr>
+          <a:xfrm>
+            <a:off x="1979712" y="3717032"/>
+            <a:ext cx="792088" cy="504056"/>
+          </a:xfrm>
+          <a:prstGeom prst="rect">
+            <a:avLst/>
+          </a:prstGeom>
+          <a:solidFill>
+            <a:schemeClr val="accent5">
+              <a:lumMod val="75000"/>
+            </a:schemeClr>
+          </a:solidFill>
+          <a:ln w="3175"/>
+        </p:spPr>
+        <p:style>
+          <a:lnRef idx="2">
+            <a:schemeClr val="accent1">
+              <a:shade val="50000"/>
+            </a:schemeClr>
+          </a:lnRef>
+          <a:fillRef idx="1">
+            <a:schemeClr val="accent1"/>
+          </a:fillRef>
+          <a:effectRef idx="0">
+            <a:schemeClr val="accent1"/>
+          </a:effectRef>
+          <a:fontRef idx="minor">
+            <a:schemeClr val="lt1"/>
+          </a:fontRef>
+        </p:style>
+        <p:txBody>
+          <a:bodyPr rtlCol="0" anchor="ctr"/>
+          <a:lstStyle/>
+          <a:p>
+            <a:pPr algn="ctr"/>
+            <a:r>
+              <a:rPr lang="en-US" altLang="zh-CN" sz="1400" dirty="0" err="1" smtClean="0">
+                <a:solidFill>
+                  <a:schemeClr val="bg1"/>
+                </a:solidFill>
+              </a:rPr>
+              <a:t>LogFiler</a:t>
+            </a:r>
+            <a:endParaRPr lang="zh-CN" altLang="en-US" sz="1400" dirty="0">
+              <a:solidFill>
+                <a:schemeClr val="bg1"/>
+              </a:solidFill>
+            </a:endParaRPr>
+          </a:p>
+        </p:txBody>
+      </p:sp>
+      <p:sp>
+        <p:nvSpPr>
+          <p:cNvPr id="24" name="矩形 23"/>
+          <p:cNvSpPr/>
+          <p:nvPr/>
+        </p:nvSpPr>
+        <p:spPr>
+          <a:xfrm>
+            <a:off x="2843808" y="3717032"/>
+            <a:ext cx="792088" cy="504056"/>
+          </a:xfrm>
+          <a:prstGeom prst="rect">
+            <a:avLst/>
+          </a:prstGeom>
+          <a:solidFill>
+            <a:schemeClr val="accent5">
+              <a:lumMod val="75000"/>
+            </a:schemeClr>
+          </a:solidFill>
+          <a:ln w="3175"/>
+        </p:spPr>
+        <p:style>
+          <a:lnRef idx="2">
+            <a:schemeClr val="accent1">
+              <a:shade val="50000"/>
+            </a:schemeClr>
+          </a:lnRef>
+          <a:fillRef idx="1">
+            <a:schemeClr val="accent1"/>
+          </a:fillRef>
+          <a:effectRef idx="0">
+            <a:schemeClr val="accent1"/>
+          </a:effectRef>
+          <a:fontRef idx="minor">
+            <a:schemeClr val="lt1"/>
+          </a:fontRef>
+        </p:style>
+        <p:txBody>
+          <a:bodyPr rtlCol="0" anchor="ctr"/>
+          <a:lstStyle/>
+          <a:p>
+            <a:pPr algn="ctr"/>
+            <a:r>
+              <a:rPr lang="en-US" altLang="zh-CN" sz="1400" dirty="0" err="1" smtClean="0">
+                <a:solidFill>
+                  <a:schemeClr val="bg1"/>
+                </a:solidFill>
+              </a:rPr>
+              <a:t>MySQL</a:t>
+            </a:r>
+            <a:endParaRPr lang="zh-CN" altLang="en-US" sz="1400" dirty="0">
+              <a:solidFill>
+                <a:schemeClr val="bg1"/>
+              </a:solidFill>
+            </a:endParaRPr>
+          </a:p>
+        </p:txBody>
+      </p:sp>
+      <p:sp>
+        <p:nvSpPr>
+          <p:cNvPr id="25" name="矩形 24"/>
+          <p:cNvSpPr/>
+          <p:nvPr/>
+        </p:nvSpPr>
+        <p:spPr>
+          <a:xfrm>
+            <a:off x="3707904" y="3717032"/>
+            <a:ext cx="936104" cy="504056"/>
+          </a:xfrm>
+          <a:prstGeom prst="rect">
+            <a:avLst/>
+          </a:prstGeom>
+          <a:solidFill>
+            <a:schemeClr val="accent5">
+              <a:lumMod val="75000"/>
+            </a:schemeClr>
+          </a:solidFill>
+          <a:ln w="3175"/>
+        </p:spPr>
+        <p:style>
+          <a:lnRef idx="2">
+            <a:schemeClr val="accent1">
+              <a:shade val="50000"/>
+            </a:schemeClr>
+          </a:lnRef>
+          <a:fillRef idx="1">
+            <a:schemeClr val="accent1"/>
+          </a:fillRef>
+          <a:effectRef idx="0">
+            <a:schemeClr val="accent1"/>
+          </a:effectRef>
+          <a:fontRef idx="minor">
+            <a:schemeClr val="lt1"/>
+          </a:fontRef>
+        </p:style>
+        <p:txBody>
+          <a:bodyPr rtlCol="0" anchor="ctr"/>
+          <a:lstStyle/>
+          <a:p>
+            <a:pPr algn="ctr"/>
+            <a:r>
+              <a:rPr lang="en-US" altLang="zh-CN" sz="1400" dirty="0" err="1" smtClean="0">
+                <a:solidFill>
+                  <a:schemeClr val="bg1"/>
+                </a:solidFill>
+              </a:rPr>
+              <a:t>MongoDB</a:t>
+            </a:r>
+            <a:endParaRPr lang="zh-CN" altLang="en-US" sz="1400" dirty="0">
+              <a:solidFill>
+                <a:schemeClr val="bg1"/>
+              </a:solidFill>
+            </a:endParaRPr>
+          </a:p>
+        </p:txBody>
+      </p:sp>
+      <p:sp>
+        <p:nvSpPr>
+          <p:cNvPr id="26" name="矩形 25"/>
+          <p:cNvSpPr/>
+          <p:nvPr/>
+        </p:nvSpPr>
+        <p:spPr>
+          <a:xfrm>
+            <a:off x="4716016" y="3717032"/>
+            <a:ext cx="648072" cy="504056"/>
+          </a:xfrm>
+          <a:prstGeom prst="rect">
+            <a:avLst/>
+          </a:prstGeom>
+          <a:solidFill>
+            <a:schemeClr val="accent5">
+              <a:lumMod val="75000"/>
+            </a:schemeClr>
+          </a:solidFill>
+          <a:ln w="3175"/>
+        </p:spPr>
+        <p:style>
+          <a:lnRef idx="2">
+            <a:schemeClr val="accent1">
+              <a:shade val="50000"/>
+            </a:schemeClr>
+          </a:lnRef>
+          <a:fillRef idx="1">
+            <a:schemeClr val="accent1"/>
+          </a:fillRef>
+          <a:effectRef idx="0">
+            <a:schemeClr val="accent1"/>
+          </a:effectRef>
+          <a:fontRef idx="minor">
+            <a:schemeClr val="lt1"/>
+          </a:fontRef>
+        </p:style>
+        <p:txBody>
+          <a:bodyPr rtlCol="0" anchor="ctr"/>
+          <a:lstStyle/>
+          <a:p>
+            <a:pPr algn="ctr"/>
+            <a:r>
+              <a:rPr lang="en-US" altLang="zh-CN" sz="1400" dirty="0" err="1" smtClean="0">
+                <a:solidFill>
+                  <a:schemeClr val="bg1"/>
+                </a:solidFill>
+              </a:rPr>
+              <a:t>Redis</a:t>
+            </a:r>
+            <a:endParaRPr lang="zh-CN" altLang="en-US" sz="1400" dirty="0">
+              <a:solidFill>
+                <a:schemeClr val="bg1"/>
+              </a:solidFill>
+            </a:endParaRPr>
+          </a:p>
+        </p:txBody>
+      </p:sp>
+      <p:sp>
+        <p:nvSpPr>
+          <p:cNvPr id="34" name="矩形 33"/>
+          <p:cNvSpPr/>
+          <p:nvPr/>
+        </p:nvSpPr>
+        <p:spPr>
+          <a:xfrm>
+            <a:off x="5436096" y="3717032"/>
+            <a:ext cx="648072" cy="504056"/>
+          </a:xfrm>
+          <a:prstGeom prst="rect">
+            <a:avLst/>
+          </a:prstGeom>
+          <a:solidFill>
+            <a:schemeClr val="accent5">
+              <a:lumMod val="75000"/>
+            </a:schemeClr>
+          </a:solidFill>
+          <a:ln w="3175"/>
+        </p:spPr>
+        <p:style>
+          <a:lnRef idx="2">
+            <a:schemeClr val="accent1">
+              <a:shade val="50000"/>
+            </a:schemeClr>
+          </a:lnRef>
+          <a:fillRef idx="1">
+            <a:schemeClr val="accent1"/>
+          </a:fillRef>
+          <a:effectRef idx="0">
+            <a:schemeClr val="accent1"/>
+          </a:effectRef>
+          <a:fontRef idx="minor">
+            <a:schemeClr val="lt1"/>
+          </a:fontRef>
+        </p:style>
+        <p:txBody>
+          <a:bodyPr rtlCol="0" anchor="ctr"/>
+          <a:lstStyle/>
+          <a:p>
+            <a:pPr algn="ctr"/>
+            <a:r>
+              <a:rPr lang="en-US" altLang="zh-CN" sz="1400" dirty="0" smtClean="0">
+                <a:solidFill>
+                  <a:schemeClr val="bg1"/>
+                </a:solidFill>
+              </a:rPr>
+              <a:t>Kafka</a:t>
+            </a:r>
+            <a:endParaRPr lang="zh-CN" altLang="en-US" sz="1400" dirty="0">
+              <a:solidFill>
+                <a:schemeClr val="bg1"/>
+              </a:solidFill>
+            </a:endParaRPr>
+          </a:p>
+        </p:txBody>
+      </p:sp>
+      <p:sp>
+        <p:nvSpPr>
+          <p:cNvPr id="29" name="矩形 28"/>
+          <p:cNvSpPr/>
+          <p:nvPr/>
+        </p:nvSpPr>
+        <p:spPr>
+          <a:xfrm>
+            <a:off x="3454172" y="1350195"/>
+            <a:ext cx="1224136" cy="504056"/>
+          </a:xfrm>
+          <a:prstGeom prst="rect">
+            <a:avLst/>
+          </a:prstGeom>
+          <a:solidFill>
+            <a:schemeClr val="accent6">
+              <a:lumMod val="75000"/>
+            </a:schemeClr>
+          </a:solidFill>
+          <a:ln w="3175"/>
+        </p:spPr>
+        <p:style>
+          <a:lnRef idx="2">
+            <a:schemeClr val="accent1">
+              <a:shade val="50000"/>
+            </a:schemeClr>
+          </a:lnRef>
+          <a:fillRef idx="1">
+            <a:schemeClr val="accent1"/>
+          </a:fillRef>
+          <a:effectRef idx="0">
+            <a:schemeClr val="accent1"/>
+          </a:effectRef>
+          <a:fontRef idx="minor">
+            <a:schemeClr val="lt1"/>
+          </a:fontRef>
+        </p:style>
+        <p:txBody>
+          <a:bodyPr rtlCol="0" anchor="ctr"/>
+          <a:lstStyle/>
+          <a:p>
+            <a:pPr algn="ctr"/>
+            <a:r>
+              <a:rPr lang="en-US" altLang="zh-CN" sz="1400" dirty="0" err="1" smtClean="0">
+                <a:solidFill>
+                  <a:schemeClr val="tx1"/>
+                </a:solidFill>
+              </a:rPr>
+              <a:t>Nginx</a:t>
+            </a:r>
+            <a:endParaRPr lang="en-US" altLang="zh-CN" sz="1400" dirty="0" smtClean="0">
+              <a:solidFill>
+                <a:schemeClr val="tx1"/>
+              </a:solidFill>
+            </a:endParaRPr>
+          </a:p>
+        </p:txBody>
+      </p:sp>
+      <p:sp>
+        <p:nvSpPr>
+          <p:cNvPr id="42" name="矩形 41"/>
+          <p:cNvSpPr/>
+          <p:nvPr/>
+        </p:nvSpPr>
+        <p:spPr>
+          <a:xfrm>
+            <a:off x="4174252" y="2348880"/>
+            <a:ext cx="2160240" cy="504056"/>
+          </a:xfrm>
+          <a:prstGeom prst="rect">
+            <a:avLst/>
+          </a:prstGeom>
+          <a:solidFill>
+            <a:schemeClr val="accent4">
+              <a:lumMod val="60000"/>
+              <a:lumOff val="40000"/>
+            </a:schemeClr>
+          </a:solidFill>
+          <a:ln w="3175"/>
+        </p:spPr>
+        <p:style>
+          <a:lnRef idx="2">
+            <a:schemeClr val="accent1">
+              <a:shade val="50000"/>
+            </a:schemeClr>
+          </a:lnRef>
+          <a:fillRef idx="1">
+            <a:schemeClr val="accent1"/>
+          </a:fillRef>
+          <a:effectRef idx="0">
+            <a:schemeClr val="accent1"/>
+          </a:effectRef>
+          <a:fontRef idx="minor">
+            <a:schemeClr val="lt1"/>
+          </a:fontRef>
+        </p:style>
+        <p:txBody>
+          <a:bodyPr rtlCol="0" anchor="ctr"/>
+          <a:lstStyle/>
+          <a:p>
+            <a:pPr algn="ctr"/>
+            <a:r>
+              <a:rPr lang="zh-CN" altLang="en-US" sz="1400" dirty="0" smtClean="0">
+                <a:solidFill>
+                  <a:schemeClr val="tx1"/>
+                </a:solidFill>
+              </a:rPr>
+              <a:t>数据收集器</a:t>
+            </a:r>
+            <a:endParaRPr lang="en-US" altLang="zh-CN" sz="1400" dirty="0" smtClean="0">
+              <a:solidFill>
+                <a:schemeClr val="tx1"/>
+              </a:solidFill>
+            </a:endParaRPr>
+          </a:p>
+          <a:p>
+            <a:pPr algn="ctr"/>
+            <a:r>
+              <a:rPr lang="en-US" altLang="zh-CN" sz="1400" dirty="0" err="1" smtClean="0">
+                <a:solidFill>
+                  <a:schemeClr val="tx1"/>
+                </a:solidFill>
+              </a:rPr>
+              <a:t>heasy-iot-emqx-collector</a:t>
+            </a:r>
+            <a:endParaRPr lang="zh-CN" altLang="en-US" sz="1400" dirty="0">
+              <a:solidFill>
+                <a:schemeClr val="tx1"/>
+              </a:solidFill>
+            </a:endParaRPr>
+          </a:p>
+        </p:txBody>
+      </p:sp>
+      <p:cxnSp>
+        <p:nvCxnSpPr>
+          <p:cNvPr id="44" name="肘形连接符 43"/>
+          <p:cNvCxnSpPr>
+            <a:stCxn id="29" idx="2"/>
+            <a:endCxn id="13" idx="0"/>
+          </p:cNvCxnSpPr>
+          <p:nvPr/>
+        </p:nvCxnSpPr>
+        <p:spPr>
           <a:xfrm rot="5400000">
-            <a:off x="1794979" y="1228042"/>
-            <a:ext cx="513483" cy="2160240"/>
+            <a:off x="3193569" y="1466782"/>
+            <a:ext cx="485202" cy="1260140"/>
           </a:xfrm>
           <a:prstGeom prst="bentConnector3">
             <a:avLst>
@@ -3337,196 +4382,19 @@
           </a:fontRef>
         </p:style>
       </p:cxnSp>
-      <p:sp>
-        <p:nvSpPr>
-          <p:cNvPr id="24" name="矩形 23"/>
-          <p:cNvSpPr/>
-          <p:nvPr/>
-        </p:nvSpPr>
-        <p:spPr>
-          <a:xfrm>
-            <a:off x="1547664" y="2564904"/>
-            <a:ext cx="1008112" cy="504056"/>
-          </a:xfrm>
-          <a:prstGeom prst="rect">
-            <a:avLst/>
-          </a:prstGeom>
-          <a:solidFill>
-            <a:schemeClr val="accent2">
-              <a:lumMod val="60000"/>
-              <a:lumOff val="40000"/>
-            </a:schemeClr>
-          </a:solidFill>
-          <a:ln w="3175"/>
-        </p:spPr>
-        <p:style>
-          <a:lnRef idx="2">
-            <a:schemeClr val="accent1">
-              <a:shade val="50000"/>
-            </a:schemeClr>
-          </a:lnRef>
-          <a:fillRef idx="1">
-            <a:schemeClr val="accent1"/>
-          </a:fillRef>
-          <a:effectRef idx="0">
-            <a:schemeClr val="accent1"/>
-          </a:effectRef>
-          <a:fontRef idx="minor">
-            <a:schemeClr val="lt1"/>
-          </a:fontRef>
-        </p:style>
-        <p:txBody>
-          <a:bodyPr rtlCol="0" anchor="ctr"/>
-          <a:lstStyle/>
-          <a:p>
-            <a:pPr algn="ctr"/>
-            <a:r>
-              <a:rPr lang="en-US" altLang="zh-CN" sz="1400" dirty="0" err="1" smtClean="0">
-                <a:solidFill>
-                  <a:schemeClr val="tx1"/>
-                </a:solidFill>
-              </a:rPr>
-              <a:t>MySQL</a:t>
-            </a:r>
-            <a:endParaRPr lang="zh-CN" altLang="en-US" sz="1400" dirty="0">
-              <a:solidFill>
-                <a:schemeClr val="tx1"/>
-              </a:solidFill>
-            </a:endParaRPr>
-          </a:p>
-        </p:txBody>
-      </p:sp>
-      <p:sp>
-        <p:nvSpPr>
-          <p:cNvPr id="25" name="矩形 24"/>
-          <p:cNvSpPr/>
-          <p:nvPr/>
-        </p:nvSpPr>
-        <p:spPr>
-          <a:xfrm>
-            <a:off x="2627784" y="2564904"/>
-            <a:ext cx="1008112" cy="504056"/>
-          </a:xfrm>
-          <a:prstGeom prst="rect">
-            <a:avLst/>
-          </a:prstGeom>
-          <a:solidFill>
-            <a:schemeClr val="accent2">
-              <a:lumMod val="60000"/>
-              <a:lumOff val="40000"/>
-            </a:schemeClr>
-          </a:solidFill>
-          <a:ln w="3175"/>
-        </p:spPr>
-        <p:style>
-          <a:lnRef idx="2">
-            <a:schemeClr val="accent1">
-              <a:shade val="50000"/>
-            </a:schemeClr>
-          </a:lnRef>
-          <a:fillRef idx="1">
-            <a:schemeClr val="accent1"/>
-          </a:fillRef>
-          <a:effectRef idx="0">
-            <a:schemeClr val="accent1"/>
-          </a:effectRef>
-          <a:fontRef idx="minor">
-            <a:schemeClr val="lt1"/>
-          </a:fontRef>
-        </p:style>
-        <p:txBody>
-          <a:bodyPr rtlCol="0" anchor="ctr"/>
-          <a:lstStyle/>
-          <a:p>
-            <a:pPr algn="ctr"/>
-            <a:r>
-              <a:rPr lang="en-US" altLang="zh-CN" sz="1400" dirty="0" err="1" smtClean="0">
-                <a:solidFill>
-                  <a:schemeClr val="tx1"/>
-                </a:solidFill>
-              </a:rPr>
-              <a:t>MongoDB</a:t>
-            </a:r>
-            <a:endParaRPr lang="zh-CN" altLang="en-US" sz="1400" dirty="0">
-              <a:solidFill>
-                <a:schemeClr val="tx1"/>
-              </a:solidFill>
-            </a:endParaRPr>
-          </a:p>
-        </p:txBody>
-      </p:sp>
-      <p:sp>
-        <p:nvSpPr>
-          <p:cNvPr id="26" name="矩形 25"/>
-          <p:cNvSpPr/>
-          <p:nvPr/>
-        </p:nvSpPr>
-        <p:spPr>
-          <a:xfrm>
-            <a:off x="3707904" y="2564904"/>
-            <a:ext cx="1008112" cy="504056"/>
-          </a:xfrm>
-          <a:prstGeom prst="rect">
-            <a:avLst/>
-          </a:prstGeom>
-          <a:solidFill>
-            <a:schemeClr val="accent2">
-              <a:lumMod val="60000"/>
-              <a:lumOff val="40000"/>
-            </a:schemeClr>
-          </a:solidFill>
-          <a:ln w="3175"/>
-        </p:spPr>
-        <p:style>
-          <a:lnRef idx="2">
-            <a:schemeClr val="accent1">
-              <a:shade val="50000"/>
-            </a:schemeClr>
-          </a:lnRef>
-          <a:fillRef idx="1">
-            <a:schemeClr val="accent1"/>
-          </a:fillRef>
-          <a:effectRef idx="0">
-            <a:schemeClr val="accent1"/>
-          </a:effectRef>
-          <a:fontRef idx="minor">
-            <a:schemeClr val="lt1"/>
-          </a:fontRef>
-        </p:style>
-        <p:txBody>
-          <a:bodyPr rtlCol="0" anchor="ctr"/>
-          <a:lstStyle/>
-          <a:p>
-            <a:pPr algn="ctr"/>
-            <a:r>
-              <a:rPr lang="en-US" altLang="zh-CN" sz="1400" dirty="0" err="1" smtClean="0">
-                <a:solidFill>
-                  <a:schemeClr val="tx1"/>
-                </a:solidFill>
-              </a:rPr>
-              <a:t>Redis</a:t>
-            </a:r>
-            <a:endParaRPr lang="zh-CN" altLang="en-US" sz="1400" dirty="0">
-              <a:solidFill>
-                <a:schemeClr val="tx1"/>
-              </a:solidFill>
-            </a:endParaRPr>
-          </a:p>
-        </p:txBody>
-      </p:sp>
       <p:cxnSp>
         <p:nvCxnSpPr>
-          <p:cNvPr id="28" name="肘形连接符 27"/>
+          <p:cNvPr id="46" name="肘形连接符 45"/>
           <p:cNvCxnSpPr>
-            <a:stCxn id="13" idx="2"/>
-            <a:endCxn id="24" idx="0"/>
+            <a:stCxn id="29" idx="2"/>
+            <a:endCxn id="42" idx="0"/>
           </p:cNvCxnSpPr>
           <p:nvPr/>
         </p:nvCxnSpPr>
         <p:spPr>
-          <a:xfrm rot="5400000">
-            <a:off x="2335039" y="1768102"/>
-            <a:ext cx="513483" cy="1080120"/>
+          <a:xfrm rot="16200000" flipH="1">
+            <a:off x="4412992" y="1507499"/>
+            <a:ext cx="494629" cy="1188132"/>
           </a:xfrm>
           <a:prstGeom prst="bentConnector3">
             <a:avLst>
@@ -3552,19 +4420,49 @@
           </a:fontRef>
         </p:style>
       </p:cxnSp>
+      <p:sp>
+        <p:nvSpPr>
+          <p:cNvPr id="60" name="TextBox 59"/>
+          <p:cNvSpPr txBox="1"/>
+          <p:nvPr/>
+        </p:nvSpPr>
+        <p:spPr>
+          <a:xfrm>
+            <a:off x="3742204" y="2058932"/>
+            <a:ext cx="720080" cy="246221"/>
+          </a:xfrm>
+          <a:prstGeom prst="rect">
+            <a:avLst/>
+          </a:prstGeom>
+          <a:noFill/>
+        </p:spPr>
+        <p:txBody>
+          <a:bodyPr wrap="square" rtlCol="0">
+            <a:spAutoFit/>
+          </a:bodyPr>
+          <a:lstStyle/>
+          <a:p>
+            <a:r>
+              <a:rPr lang="zh-CN" altLang="en-US" sz="1000" dirty="0" smtClean="0"/>
+              <a:t>负载均衡</a:t>
+            </a:r>
+            <a:endParaRPr lang="zh-CN" altLang="en-US" sz="1000" dirty="0"/>
+          </a:p>
+        </p:txBody>
+      </p:sp>
       <p:cxnSp>
         <p:nvCxnSpPr>
-          <p:cNvPr id="30" name="肘形连接符 29"/>
+          <p:cNvPr id="62" name="肘形连接符 61"/>
           <p:cNvCxnSpPr>
             <a:stCxn id="13" idx="2"/>
-            <a:endCxn id="25" idx="0"/>
+            <a:endCxn id="59" idx="0"/>
           </p:cNvCxnSpPr>
           <p:nvPr/>
         </p:nvCxnSpPr>
         <p:spPr>
-          <a:xfrm rot="5400000">
-            <a:off x="2875099" y="2308162"/>
-            <a:ext cx="513483" cy="12700"/>
+          <a:xfrm rot="16200000" flipH="1">
+            <a:off x="3162279" y="2487330"/>
+            <a:ext cx="513483" cy="1225840"/>
           </a:xfrm>
           <a:prstGeom prst="bentConnector3">
             <a:avLst>
@@ -3592,114 +4490,17 @@
       </p:cxnSp>
       <p:cxnSp>
         <p:nvCxnSpPr>
-          <p:cNvPr id="32" name="肘形连接符 31"/>
+          <p:cNvPr id="64" name="肘形连接符 63"/>
           <p:cNvCxnSpPr>
-            <a:stCxn id="13" idx="2"/>
-            <a:endCxn id="26" idx="0"/>
+            <a:stCxn id="42" idx="2"/>
+            <a:endCxn id="59" idx="0"/>
           </p:cNvCxnSpPr>
           <p:nvPr/>
         </p:nvCxnSpPr>
         <p:spPr>
-          <a:xfrm rot="16200000" flipH="1">
-            <a:off x="3415159" y="1768102"/>
-            <a:ext cx="513483" cy="1080120"/>
-          </a:xfrm>
-          <a:prstGeom prst="bentConnector3">
-            <a:avLst>
-              <a:gd name="adj1" fmla="val 50000"/>
-            </a:avLst>
-          </a:prstGeom>
-          <a:ln>
-            <a:tailEnd type="arrow"/>
-          </a:ln>
-        </p:spPr>
-        <p:style>
-          <a:lnRef idx="1">
-            <a:schemeClr val="accent1"/>
-          </a:lnRef>
-          <a:fillRef idx="0">
-            <a:schemeClr val="accent1"/>
-          </a:fillRef>
-          <a:effectRef idx="0">
-            <a:schemeClr val="accent1"/>
-          </a:effectRef>
-          <a:fontRef idx="minor">
-            <a:schemeClr val="tx1"/>
-          </a:fontRef>
-        </p:style>
-      </p:cxnSp>
-      <p:sp>
-        <p:nvSpPr>
-          <p:cNvPr id="34" name="矩形 33"/>
-          <p:cNvSpPr/>
-          <p:nvPr/>
-        </p:nvSpPr>
-        <p:spPr>
-          <a:xfrm>
-            <a:off x="4788024" y="2564904"/>
-            <a:ext cx="1008112" cy="504056"/>
-          </a:xfrm>
-          <a:prstGeom prst="rect">
-            <a:avLst/>
-          </a:prstGeom>
-          <a:solidFill>
-            <a:schemeClr val="accent2">
-              <a:lumMod val="60000"/>
-              <a:lumOff val="40000"/>
-            </a:schemeClr>
-          </a:solidFill>
-          <a:ln w="3175"/>
-        </p:spPr>
-        <p:style>
-          <a:lnRef idx="2">
-            <a:schemeClr val="accent1">
-              <a:shade val="50000"/>
-            </a:schemeClr>
-          </a:lnRef>
-          <a:fillRef idx="1">
-            <a:schemeClr val="accent1"/>
-          </a:fillRef>
-          <a:effectRef idx="0">
-            <a:schemeClr val="accent1"/>
-          </a:effectRef>
-          <a:fontRef idx="minor">
-            <a:schemeClr val="lt1"/>
-          </a:fontRef>
-        </p:style>
-        <p:txBody>
-          <a:bodyPr rtlCol="0" anchor="ctr"/>
-          <a:lstStyle/>
-          <a:p>
-            <a:pPr algn="ctr"/>
-            <a:r>
-              <a:rPr lang="en-US" altLang="zh-CN" sz="1400" dirty="0" smtClean="0">
-                <a:solidFill>
-                  <a:schemeClr val="tx1"/>
-                </a:solidFill>
-              </a:rPr>
-              <a:t>Kafka</a:t>
-            </a:r>
-            <a:endParaRPr lang="zh-CN" altLang="en-US" sz="1400" dirty="0">
-              <a:solidFill>
-                <a:schemeClr val="tx1"/>
-              </a:solidFill>
-            </a:endParaRPr>
-          </a:p>
-        </p:txBody>
-      </p:sp>
-      <p:cxnSp>
-        <p:nvCxnSpPr>
-          <p:cNvPr id="40" name="肘形连接符 39"/>
-          <p:cNvCxnSpPr>
-            <a:stCxn id="13" idx="2"/>
-            <a:endCxn id="34" idx="0"/>
-          </p:cNvCxnSpPr>
-          <p:nvPr/>
-        </p:nvCxnSpPr>
-        <p:spPr>
-          <a:xfrm rot="16200000" flipH="1">
-            <a:off x="3955219" y="1228042"/>
-            <a:ext cx="513483" cy="2160240"/>
+          <a:xfrm rot="5400000">
+            <a:off x="4391128" y="2493748"/>
+            <a:ext cx="504056" cy="1222432"/>
           </a:xfrm>
           <a:prstGeom prst="bentConnector3">
             <a:avLst>

--- a/heasy-iot-emqx-collector/doc/数据收集和分发的架构图.pptx
+++ b/heasy-iot-emqx-collector/doc/数据收集和分发的架构图.pptx
@@ -3068,7 +3068,7 @@
         </p:nvSpPr>
         <p:spPr>
           <a:xfrm>
-            <a:off x="3097540" y="396034"/>
+            <a:off x="3097540" y="1052736"/>
             <a:ext cx="2160240" cy="504056"/>
           </a:xfrm>
           <a:prstGeom prst="rect">
@@ -3124,8 +3124,8 @@
         </p:nvSpPr>
         <p:spPr>
           <a:xfrm>
-            <a:off x="3097540" y="1404146"/>
-            <a:ext cx="2160240" cy="504056"/>
+            <a:off x="899592" y="2052218"/>
+            <a:ext cx="2952328" cy="504056"/>
           </a:xfrm>
           <a:prstGeom prst="rect">
             <a:avLst/>
@@ -3201,9 +3201,9 @@
           <p:nvPr/>
         </p:nvCxnSpPr>
         <p:spPr>
-          <a:xfrm>
-            <a:off x="4177660" y="900090"/>
-            <a:ext cx="0" cy="504056"/>
+          <a:xfrm flipH="1">
+            <a:off x="2375756" y="1556792"/>
+            <a:ext cx="1801904" cy="495426"/>
           </a:xfrm>
           <a:prstGeom prst="straightConnector1">
             <a:avLst/>
@@ -3235,8 +3235,8 @@
         </p:nvSpPr>
         <p:spPr>
           <a:xfrm>
-            <a:off x="4177660" y="972098"/>
-            <a:ext cx="842154" cy="276999"/>
+            <a:off x="3729846" y="1609055"/>
+            <a:ext cx="950901" cy="307777"/>
           </a:xfrm>
           <a:prstGeom prst="rect">
             <a:avLst/>
@@ -3250,10 +3250,10 @@
           <a:lstStyle/>
           <a:p>
             <a:r>
-              <a:rPr lang="en-US" altLang="zh-CN" sz="1200" dirty="0" err="1" smtClean="0"/>
+              <a:rPr lang="en-US" altLang="zh-CN" sz="1400" dirty="0" err="1" smtClean="0"/>
               <a:t>web_hook</a:t>
             </a:r>
-            <a:endParaRPr lang="zh-CN" altLang="en-US" sz="1200" dirty="0"/>
+            <a:endParaRPr lang="zh-CN" altLang="en-US" sz="1400" dirty="0"/>
           </a:p>
         </p:txBody>
       </p:sp>
@@ -3265,8 +3265,8 @@
         </p:nvSpPr>
         <p:spPr>
           <a:xfrm>
-            <a:off x="1979712" y="2348880"/>
-            <a:ext cx="4392488" cy="1008112"/>
+            <a:off x="899592" y="2996952"/>
+            <a:ext cx="2952328" cy="1656184"/>
           </a:xfrm>
           <a:prstGeom prst="rect">
             <a:avLst/>
@@ -3323,7 +3323,7 @@
         </p:nvSpPr>
         <p:spPr>
           <a:xfrm>
-            <a:off x="2123728" y="2708920"/>
+            <a:off x="1043608" y="3356992"/>
             <a:ext cx="792088" cy="504056"/>
           </a:xfrm>
           <a:prstGeom prst="rect">
@@ -3363,7 +3363,7 @@
                   <a:schemeClr val="bg1"/>
                 </a:solidFill>
               </a:rPr>
-              <a:t>LogFiler</a:t>
+              <a:t>LogFile</a:t>
             </a:r>
             <a:endParaRPr lang="zh-CN" altLang="en-US" sz="1400" dirty="0">
               <a:solidFill>
@@ -3381,7 +3381,7 @@
         </p:nvSpPr>
         <p:spPr>
           <a:xfrm>
-            <a:off x="2987824" y="2708920"/>
+            <a:off x="1907704" y="3356992"/>
             <a:ext cx="792088" cy="504056"/>
           </a:xfrm>
           <a:prstGeom prst="rect">
@@ -3439,7 +3439,7 @@
         </p:nvSpPr>
         <p:spPr>
           <a:xfrm>
-            <a:off x="3851920" y="2708920"/>
+            <a:off x="2771800" y="3356992"/>
             <a:ext cx="936104" cy="504056"/>
           </a:xfrm>
           <a:prstGeom prst="rect">
@@ -3497,8 +3497,8 @@
         </p:nvSpPr>
         <p:spPr>
           <a:xfrm>
-            <a:off x="4860032" y="2708920"/>
-            <a:ext cx="648072" cy="504056"/>
+            <a:off x="1043608" y="4005064"/>
+            <a:ext cx="792088" cy="504056"/>
           </a:xfrm>
           <a:prstGeom prst="rect">
             <a:avLst/>
@@ -3555,8 +3555,8 @@
         </p:nvSpPr>
         <p:spPr>
           <a:xfrm>
-            <a:off x="5580112" y="2708920"/>
-            <a:ext cx="648072" cy="504056"/>
+            <a:off x="1907704" y="4005064"/>
+            <a:ext cx="792088" cy="504056"/>
           </a:xfrm>
           <a:prstGeom prst="rect">
             <a:avLst/>
@@ -3615,9 +3615,9 @@
           <p:nvPr/>
         </p:nvCxnSpPr>
         <p:spPr>
-          <a:xfrm flipH="1">
-            <a:off x="4175956" y="1908202"/>
-            <a:ext cx="1704" cy="440678"/>
+          <a:xfrm>
+            <a:off x="2375756" y="2556274"/>
+            <a:ext cx="0" cy="440678"/>
           </a:xfrm>
           <a:prstGeom prst="straightConnector1">
             <a:avLst/>
@@ -3641,6 +3641,799 @@
           </a:fontRef>
         </p:style>
       </p:cxnSp>
+      <p:sp>
+        <p:nvSpPr>
+          <p:cNvPr id="19" name="矩形 18"/>
+          <p:cNvSpPr/>
+          <p:nvPr/>
+        </p:nvSpPr>
+        <p:spPr>
+          <a:xfrm>
+            <a:off x="4606300" y="2060848"/>
+            <a:ext cx="2880320" cy="504056"/>
+          </a:xfrm>
+          <a:prstGeom prst="rect">
+            <a:avLst/>
+          </a:prstGeom>
+          <a:solidFill>
+            <a:schemeClr val="accent4">
+              <a:lumMod val="60000"/>
+              <a:lumOff val="40000"/>
+            </a:schemeClr>
+          </a:solidFill>
+          <a:ln w="3175"/>
+        </p:spPr>
+        <p:style>
+          <a:lnRef idx="2">
+            <a:schemeClr val="accent1">
+              <a:shade val="50000"/>
+            </a:schemeClr>
+          </a:lnRef>
+          <a:fillRef idx="1">
+            <a:schemeClr val="accent1"/>
+          </a:fillRef>
+          <a:effectRef idx="0">
+            <a:schemeClr val="accent1"/>
+          </a:effectRef>
+          <a:fontRef idx="minor">
+            <a:schemeClr val="lt1"/>
+          </a:fontRef>
+        </p:style>
+        <p:txBody>
+          <a:bodyPr rtlCol="0" anchor="ctr"/>
+          <a:lstStyle/>
+          <a:p>
+            <a:pPr algn="ctr"/>
+            <a:r>
+              <a:rPr lang="en-US" altLang="zh-CN" sz="1400" dirty="0" smtClean="0">
+                <a:solidFill>
+                  <a:schemeClr val="tx1"/>
+                </a:solidFill>
+              </a:rPr>
+              <a:t>Flume</a:t>
+            </a:r>
+            <a:r>
+              <a:rPr lang="zh-CN" altLang="en-US" sz="1400" dirty="0" smtClean="0">
+                <a:solidFill>
+                  <a:schemeClr val="tx1"/>
+                </a:solidFill>
+              </a:rPr>
+              <a:t>（</a:t>
+            </a:r>
+            <a:r>
+              <a:rPr lang="en-US" altLang="zh-CN" sz="1400" dirty="0" smtClean="0">
+                <a:solidFill>
+                  <a:schemeClr val="tx1"/>
+                </a:solidFill>
+              </a:rPr>
+              <a:t>http source</a:t>
+            </a:r>
+            <a:r>
+              <a:rPr lang="zh-CN" altLang="en-US" sz="1400" dirty="0" smtClean="0">
+                <a:solidFill>
+                  <a:schemeClr val="tx1"/>
+                </a:solidFill>
+              </a:rPr>
+              <a:t>）</a:t>
+            </a:r>
+            <a:endParaRPr lang="en-US" altLang="zh-CN" sz="1400" dirty="0" smtClean="0">
+              <a:solidFill>
+                <a:schemeClr val="tx1"/>
+              </a:solidFill>
+            </a:endParaRPr>
+          </a:p>
+        </p:txBody>
+      </p:sp>
+      <p:cxnSp>
+        <p:nvCxnSpPr>
+          <p:cNvPr id="21" name="直接箭头连接符 20"/>
+          <p:cNvCxnSpPr>
+            <a:stCxn id="35" idx="2"/>
+            <a:endCxn id="19" idx="0"/>
+          </p:cNvCxnSpPr>
+          <p:nvPr/>
+        </p:nvCxnSpPr>
+        <p:spPr>
+          <a:xfrm>
+            <a:off x="4177660" y="1556792"/>
+            <a:ext cx="1868800" cy="504056"/>
+          </a:xfrm>
+          <a:prstGeom prst="straightConnector1">
+            <a:avLst/>
+          </a:prstGeom>
+          <a:ln>
+            <a:tailEnd type="arrow"/>
+          </a:ln>
+        </p:spPr>
+        <p:style>
+          <a:lnRef idx="1">
+            <a:schemeClr val="accent1"/>
+          </a:lnRef>
+          <a:fillRef idx="0">
+            <a:schemeClr val="accent1"/>
+          </a:fillRef>
+          <a:effectRef idx="0">
+            <a:schemeClr val="accent1"/>
+          </a:effectRef>
+          <a:fontRef idx="minor">
+            <a:schemeClr val="tx1"/>
+          </a:fontRef>
+        </p:style>
+      </p:cxnSp>
+      <p:sp>
+        <p:nvSpPr>
+          <p:cNvPr id="25" name="矩形 24"/>
+          <p:cNvSpPr/>
+          <p:nvPr/>
+        </p:nvSpPr>
+        <p:spPr>
+          <a:xfrm>
+            <a:off x="4572000" y="3068960"/>
+            <a:ext cx="2952328" cy="2952328"/>
+          </a:xfrm>
+          <a:prstGeom prst="rect">
+            <a:avLst/>
+          </a:prstGeom>
+          <a:solidFill>
+            <a:schemeClr val="accent5">
+              <a:lumMod val="20000"/>
+              <a:lumOff val="80000"/>
+            </a:schemeClr>
+          </a:solidFill>
+          <a:ln w="3175"/>
+        </p:spPr>
+        <p:style>
+          <a:lnRef idx="2">
+            <a:schemeClr val="accent1">
+              <a:shade val="50000"/>
+            </a:schemeClr>
+          </a:lnRef>
+          <a:fillRef idx="1">
+            <a:schemeClr val="accent1"/>
+          </a:fillRef>
+          <a:effectRef idx="0">
+            <a:schemeClr val="accent1"/>
+          </a:effectRef>
+          <a:fontRef idx="minor">
+            <a:schemeClr val="lt1"/>
+          </a:fontRef>
+        </p:style>
+        <p:txBody>
+          <a:bodyPr rtlCol="0" anchor="t" anchorCtr="0"/>
+          <a:lstStyle/>
+          <a:p>
+            <a:r>
+              <a:rPr lang="en-US" altLang="zh-CN" sz="1200" dirty="0" smtClean="0">
+                <a:solidFill>
+                  <a:schemeClr val="tx1"/>
+                </a:solidFill>
+              </a:rPr>
+              <a:t>Sink</a:t>
+            </a:r>
+            <a:endParaRPr lang="zh-CN" altLang="en-US" sz="1200" dirty="0">
+              <a:solidFill>
+                <a:schemeClr val="tx1"/>
+              </a:solidFill>
+            </a:endParaRPr>
+          </a:p>
+        </p:txBody>
+      </p:sp>
+      <p:sp>
+        <p:nvSpPr>
+          <p:cNvPr id="26" name="矩形 25"/>
+          <p:cNvSpPr/>
+          <p:nvPr/>
+        </p:nvSpPr>
+        <p:spPr>
+          <a:xfrm>
+            <a:off x="4716016" y="3429000"/>
+            <a:ext cx="792088" cy="504056"/>
+          </a:xfrm>
+          <a:prstGeom prst="rect">
+            <a:avLst/>
+          </a:prstGeom>
+          <a:solidFill>
+            <a:schemeClr val="accent5">
+              <a:lumMod val="75000"/>
+            </a:schemeClr>
+          </a:solidFill>
+          <a:ln w="3175"/>
+        </p:spPr>
+        <p:style>
+          <a:lnRef idx="2">
+            <a:schemeClr val="accent1">
+              <a:shade val="50000"/>
+            </a:schemeClr>
+          </a:lnRef>
+          <a:fillRef idx="1">
+            <a:schemeClr val="accent1"/>
+          </a:fillRef>
+          <a:effectRef idx="0">
+            <a:schemeClr val="accent1"/>
+          </a:effectRef>
+          <a:fontRef idx="minor">
+            <a:schemeClr val="lt1"/>
+          </a:fontRef>
+        </p:style>
+        <p:txBody>
+          <a:bodyPr rtlCol="0" anchor="ctr"/>
+          <a:lstStyle/>
+          <a:p>
+            <a:pPr algn="ctr"/>
+            <a:r>
+              <a:rPr lang="en-US" altLang="zh-CN" sz="1400" dirty="0" err="1" smtClean="0">
+                <a:solidFill>
+                  <a:schemeClr val="bg1"/>
+                </a:solidFill>
+              </a:rPr>
+              <a:t>kafka</a:t>
+            </a:r>
+            <a:endParaRPr lang="zh-CN" altLang="en-US" sz="1400" dirty="0">
+              <a:solidFill>
+                <a:schemeClr val="bg1"/>
+              </a:solidFill>
+            </a:endParaRPr>
+          </a:p>
+        </p:txBody>
+      </p:sp>
+      <p:sp>
+        <p:nvSpPr>
+          <p:cNvPr id="27" name="矩形 26"/>
+          <p:cNvSpPr/>
+          <p:nvPr/>
+        </p:nvSpPr>
+        <p:spPr>
+          <a:xfrm>
+            <a:off x="5580112" y="3429000"/>
+            <a:ext cx="792088" cy="504056"/>
+          </a:xfrm>
+          <a:prstGeom prst="rect">
+            <a:avLst/>
+          </a:prstGeom>
+          <a:solidFill>
+            <a:schemeClr val="accent5">
+              <a:lumMod val="75000"/>
+            </a:schemeClr>
+          </a:solidFill>
+          <a:ln w="3175"/>
+        </p:spPr>
+        <p:style>
+          <a:lnRef idx="2">
+            <a:schemeClr val="accent1">
+              <a:shade val="50000"/>
+            </a:schemeClr>
+          </a:lnRef>
+          <a:fillRef idx="1">
+            <a:schemeClr val="accent1"/>
+          </a:fillRef>
+          <a:effectRef idx="0">
+            <a:schemeClr val="accent1"/>
+          </a:effectRef>
+          <a:fontRef idx="minor">
+            <a:schemeClr val="lt1"/>
+          </a:fontRef>
+        </p:style>
+        <p:txBody>
+          <a:bodyPr rtlCol="0" anchor="ctr"/>
+          <a:lstStyle/>
+          <a:p>
+            <a:pPr algn="ctr"/>
+            <a:r>
+              <a:rPr lang="en-US" altLang="zh-CN" sz="1400" dirty="0" err="1" smtClean="0">
+                <a:solidFill>
+                  <a:schemeClr val="bg1"/>
+                </a:solidFill>
+              </a:rPr>
+              <a:t>hdfs</a:t>
+            </a:r>
+            <a:endParaRPr lang="zh-CN" altLang="en-US" sz="1400" dirty="0">
+              <a:solidFill>
+                <a:schemeClr val="bg1"/>
+              </a:solidFill>
+            </a:endParaRPr>
+          </a:p>
+        </p:txBody>
+      </p:sp>
+      <p:sp>
+        <p:nvSpPr>
+          <p:cNvPr id="28" name="矩形 27"/>
+          <p:cNvSpPr/>
+          <p:nvPr/>
+        </p:nvSpPr>
+        <p:spPr>
+          <a:xfrm>
+            <a:off x="6444208" y="3429000"/>
+            <a:ext cx="936104" cy="504056"/>
+          </a:xfrm>
+          <a:prstGeom prst="rect">
+            <a:avLst/>
+          </a:prstGeom>
+          <a:solidFill>
+            <a:schemeClr val="accent5">
+              <a:lumMod val="75000"/>
+            </a:schemeClr>
+          </a:solidFill>
+          <a:ln w="3175"/>
+        </p:spPr>
+        <p:style>
+          <a:lnRef idx="2">
+            <a:schemeClr val="accent1">
+              <a:shade val="50000"/>
+            </a:schemeClr>
+          </a:lnRef>
+          <a:fillRef idx="1">
+            <a:schemeClr val="accent1"/>
+          </a:fillRef>
+          <a:effectRef idx="0">
+            <a:schemeClr val="accent1"/>
+          </a:effectRef>
+          <a:fontRef idx="minor">
+            <a:schemeClr val="lt1"/>
+          </a:fontRef>
+        </p:style>
+        <p:txBody>
+          <a:bodyPr rtlCol="0" anchor="ctr"/>
+          <a:lstStyle/>
+          <a:p>
+            <a:pPr algn="ctr"/>
+            <a:r>
+              <a:rPr lang="en-US" altLang="zh-CN" sz="1400" dirty="0" smtClean="0">
+                <a:solidFill>
+                  <a:schemeClr val="bg1"/>
+                </a:solidFill>
+              </a:rPr>
+              <a:t>hive</a:t>
+            </a:r>
+            <a:endParaRPr lang="zh-CN" altLang="en-US" sz="1400" dirty="0">
+              <a:solidFill>
+                <a:schemeClr val="bg1"/>
+              </a:solidFill>
+            </a:endParaRPr>
+          </a:p>
+        </p:txBody>
+      </p:sp>
+      <p:sp>
+        <p:nvSpPr>
+          <p:cNvPr id="29" name="矩形 28"/>
+          <p:cNvSpPr/>
+          <p:nvPr/>
+        </p:nvSpPr>
+        <p:spPr>
+          <a:xfrm>
+            <a:off x="4716016" y="4653136"/>
+            <a:ext cx="792088" cy="504056"/>
+          </a:xfrm>
+          <a:prstGeom prst="rect">
+            <a:avLst/>
+          </a:prstGeom>
+          <a:solidFill>
+            <a:schemeClr val="accent5">
+              <a:lumMod val="75000"/>
+            </a:schemeClr>
+          </a:solidFill>
+          <a:ln w="3175"/>
+        </p:spPr>
+        <p:style>
+          <a:lnRef idx="2">
+            <a:schemeClr val="accent1">
+              <a:shade val="50000"/>
+            </a:schemeClr>
+          </a:lnRef>
+          <a:fillRef idx="1">
+            <a:schemeClr val="accent1"/>
+          </a:fillRef>
+          <a:effectRef idx="0">
+            <a:schemeClr val="accent1"/>
+          </a:effectRef>
+          <a:fontRef idx="minor">
+            <a:schemeClr val="lt1"/>
+          </a:fontRef>
+        </p:style>
+        <p:txBody>
+          <a:bodyPr rtlCol="0" anchor="ctr"/>
+          <a:lstStyle/>
+          <a:p>
+            <a:pPr algn="ctr"/>
+            <a:r>
+              <a:rPr lang="en-US" altLang="zh-CN" sz="1400" dirty="0" smtClean="0">
+                <a:solidFill>
+                  <a:schemeClr val="bg1"/>
+                </a:solidFill>
+              </a:rPr>
+              <a:t>ES</a:t>
+            </a:r>
+            <a:endParaRPr lang="zh-CN" altLang="en-US" sz="1400" dirty="0">
+              <a:solidFill>
+                <a:schemeClr val="bg1"/>
+              </a:solidFill>
+            </a:endParaRPr>
+          </a:p>
+        </p:txBody>
+      </p:sp>
+      <p:sp>
+        <p:nvSpPr>
+          <p:cNvPr id="30" name="矩形 29"/>
+          <p:cNvSpPr/>
+          <p:nvPr/>
+        </p:nvSpPr>
+        <p:spPr>
+          <a:xfrm>
+            <a:off x="5580112" y="4653136"/>
+            <a:ext cx="792088" cy="504056"/>
+          </a:xfrm>
+          <a:prstGeom prst="rect">
+            <a:avLst/>
+          </a:prstGeom>
+          <a:solidFill>
+            <a:schemeClr val="accent5">
+              <a:lumMod val="75000"/>
+            </a:schemeClr>
+          </a:solidFill>
+          <a:ln w="3175"/>
+        </p:spPr>
+        <p:style>
+          <a:lnRef idx="2">
+            <a:schemeClr val="accent1">
+              <a:shade val="50000"/>
+            </a:schemeClr>
+          </a:lnRef>
+          <a:fillRef idx="1">
+            <a:schemeClr val="accent1"/>
+          </a:fillRef>
+          <a:effectRef idx="0">
+            <a:schemeClr val="accent1"/>
+          </a:effectRef>
+          <a:fontRef idx="minor">
+            <a:schemeClr val="lt1"/>
+          </a:fontRef>
+        </p:style>
+        <p:txBody>
+          <a:bodyPr rtlCol="0" anchor="ctr"/>
+          <a:lstStyle/>
+          <a:p>
+            <a:pPr algn="ctr"/>
+            <a:r>
+              <a:rPr lang="en-US" altLang="zh-CN" sz="1400" dirty="0" err="1" smtClean="0">
+                <a:solidFill>
+                  <a:schemeClr val="bg1"/>
+                </a:solidFill>
+              </a:rPr>
+              <a:t>hbase</a:t>
+            </a:r>
+            <a:endParaRPr lang="zh-CN" altLang="en-US" sz="1400" dirty="0">
+              <a:solidFill>
+                <a:schemeClr val="bg1"/>
+              </a:solidFill>
+            </a:endParaRPr>
+          </a:p>
+        </p:txBody>
+      </p:sp>
+      <p:sp>
+        <p:nvSpPr>
+          <p:cNvPr id="31" name="矩形 30"/>
+          <p:cNvSpPr/>
+          <p:nvPr/>
+        </p:nvSpPr>
+        <p:spPr>
+          <a:xfrm>
+            <a:off x="4716016" y="4077072"/>
+            <a:ext cx="792088" cy="504056"/>
+          </a:xfrm>
+          <a:prstGeom prst="rect">
+            <a:avLst/>
+          </a:prstGeom>
+          <a:solidFill>
+            <a:schemeClr val="accent5">
+              <a:lumMod val="75000"/>
+            </a:schemeClr>
+          </a:solidFill>
+          <a:ln w="3175"/>
+        </p:spPr>
+        <p:style>
+          <a:lnRef idx="2">
+            <a:schemeClr val="accent1">
+              <a:shade val="50000"/>
+            </a:schemeClr>
+          </a:lnRef>
+          <a:fillRef idx="1">
+            <a:schemeClr val="accent1"/>
+          </a:fillRef>
+          <a:effectRef idx="0">
+            <a:schemeClr val="accent1"/>
+          </a:effectRef>
+          <a:fontRef idx="minor">
+            <a:schemeClr val="lt1"/>
+          </a:fontRef>
+        </p:style>
+        <p:txBody>
+          <a:bodyPr rtlCol="0" anchor="ctr"/>
+          <a:lstStyle/>
+          <a:p>
+            <a:pPr algn="ctr"/>
+            <a:r>
+              <a:rPr lang="en-US" altLang="zh-CN" sz="1400" dirty="0" smtClean="0">
+                <a:solidFill>
+                  <a:schemeClr val="bg1"/>
+                </a:solidFill>
+              </a:rPr>
+              <a:t>Avro</a:t>
+            </a:r>
+            <a:endParaRPr lang="zh-CN" altLang="en-US" sz="1400" dirty="0">
+              <a:solidFill>
+                <a:schemeClr val="bg1"/>
+              </a:solidFill>
+            </a:endParaRPr>
+          </a:p>
+        </p:txBody>
+      </p:sp>
+      <p:sp>
+        <p:nvSpPr>
+          <p:cNvPr id="32" name="矩形 31"/>
+          <p:cNvSpPr/>
+          <p:nvPr/>
+        </p:nvSpPr>
+        <p:spPr>
+          <a:xfrm>
+            <a:off x="5580112" y="4077072"/>
+            <a:ext cx="792088" cy="504056"/>
+          </a:xfrm>
+          <a:prstGeom prst="rect">
+            <a:avLst/>
+          </a:prstGeom>
+          <a:solidFill>
+            <a:schemeClr val="accent5">
+              <a:lumMod val="75000"/>
+            </a:schemeClr>
+          </a:solidFill>
+          <a:ln w="3175"/>
+        </p:spPr>
+        <p:style>
+          <a:lnRef idx="2">
+            <a:schemeClr val="accent1">
+              <a:shade val="50000"/>
+            </a:schemeClr>
+          </a:lnRef>
+          <a:fillRef idx="1">
+            <a:schemeClr val="accent1"/>
+          </a:fillRef>
+          <a:effectRef idx="0">
+            <a:schemeClr val="accent1"/>
+          </a:effectRef>
+          <a:fontRef idx="minor">
+            <a:schemeClr val="lt1"/>
+          </a:fontRef>
+        </p:style>
+        <p:txBody>
+          <a:bodyPr rtlCol="0" anchor="ctr"/>
+          <a:lstStyle/>
+          <a:p>
+            <a:pPr algn="ctr"/>
+            <a:r>
+              <a:rPr lang="en-US" altLang="zh-CN" sz="1400" dirty="0" smtClean="0">
+                <a:solidFill>
+                  <a:schemeClr val="bg1"/>
+                </a:solidFill>
+              </a:rPr>
+              <a:t>Logger</a:t>
+            </a:r>
+            <a:endParaRPr lang="zh-CN" altLang="en-US" sz="1400" dirty="0">
+              <a:solidFill>
+                <a:schemeClr val="bg1"/>
+              </a:solidFill>
+            </a:endParaRPr>
+          </a:p>
+        </p:txBody>
+      </p:sp>
+      <p:sp>
+        <p:nvSpPr>
+          <p:cNvPr id="33" name="矩形 32"/>
+          <p:cNvSpPr/>
+          <p:nvPr/>
+        </p:nvSpPr>
+        <p:spPr>
+          <a:xfrm>
+            <a:off x="6444208" y="4077072"/>
+            <a:ext cx="936104" cy="504056"/>
+          </a:xfrm>
+          <a:prstGeom prst="rect">
+            <a:avLst/>
+          </a:prstGeom>
+          <a:solidFill>
+            <a:schemeClr val="accent5">
+              <a:lumMod val="75000"/>
+            </a:schemeClr>
+          </a:solidFill>
+          <a:ln w="3175"/>
+        </p:spPr>
+        <p:style>
+          <a:lnRef idx="2">
+            <a:schemeClr val="accent1">
+              <a:shade val="50000"/>
+            </a:schemeClr>
+          </a:lnRef>
+          <a:fillRef idx="1">
+            <a:schemeClr val="accent1"/>
+          </a:fillRef>
+          <a:effectRef idx="0">
+            <a:schemeClr val="accent1"/>
+          </a:effectRef>
+          <a:fontRef idx="minor">
+            <a:schemeClr val="lt1"/>
+          </a:fontRef>
+        </p:style>
+        <p:txBody>
+          <a:bodyPr rtlCol="0" anchor="ctr"/>
+          <a:lstStyle/>
+          <a:p>
+            <a:pPr algn="ctr"/>
+            <a:r>
+              <a:rPr lang="en-US" altLang="zh-CN" sz="1400" dirty="0" err="1" smtClean="0">
+                <a:solidFill>
+                  <a:schemeClr val="bg1"/>
+                </a:solidFill>
+              </a:rPr>
+              <a:t>RollingFile</a:t>
+            </a:r>
+            <a:endParaRPr lang="zh-CN" altLang="en-US" sz="1400" dirty="0">
+              <a:solidFill>
+                <a:schemeClr val="bg1"/>
+              </a:solidFill>
+            </a:endParaRPr>
+          </a:p>
+        </p:txBody>
+      </p:sp>
+      <p:sp>
+        <p:nvSpPr>
+          <p:cNvPr id="34" name="矩形 33"/>
+          <p:cNvSpPr/>
+          <p:nvPr/>
+        </p:nvSpPr>
+        <p:spPr>
+          <a:xfrm>
+            <a:off x="6444208" y="4653136"/>
+            <a:ext cx="936104" cy="504056"/>
+          </a:xfrm>
+          <a:prstGeom prst="rect">
+            <a:avLst/>
+          </a:prstGeom>
+          <a:solidFill>
+            <a:schemeClr val="accent5">
+              <a:lumMod val="75000"/>
+            </a:schemeClr>
+          </a:solidFill>
+          <a:ln w="3175"/>
+        </p:spPr>
+        <p:style>
+          <a:lnRef idx="2">
+            <a:schemeClr val="accent1">
+              <a:shade val="50000"/>
+            </a:schemeClr>
+          </a:lnRef>
+          <a:fillRef idx="1">
+            <a:schemeClr val="accent1"/>
+          </a:fillRef>
+          <a:effectRef idx="0">
+            <a:schemeClr val="accent1"/>
+          </a:effectRef>
+          <a:fontRef idx="minor">
+            <a:schemeClr val="lt1"/>
+          </a:fontRef>
+        </p:style>
+        <p:txBody>
+          <a:bodyPr rtlCol="0" anchor="ctr"/>
+          <a:lstStyle/>
+          <a:p>
+            <a:pPr algn="ctr"/>
+            <a:r>
+              <a:rPr lang="en-US" altLang="zh-CN" sz="1400" dirty="0" smtClean="0">
+                <a:solidFill>
+                  <a:schemeClr val="bg1"/>
+                </a:solidFill>
+              </a:rPr>
+              <a:t>Thrift</a:t>
+            </a:r>
+            <a:endParaRPr lang="zh-CN" altLang="en-US" sz="1400" dirty="0">
+              <a:solidFill>
+                <a:schemeClr val="bg1"/>
+              </a:solidFill>
+            </a:endParaRPr>
+          </a:p>
+        </p:txBody>
+      </p:sp>
+      <p:cxnSp>
+        <p:nvCxnSpPr>
+          <p:cNvPr id="37" name="直接箭头连接符 36"/>
+          <p:cNvCxnSpPr>
+            <a:stCxn id="19" idx="2"/>
+            <a:endCxn id="25" idx="0"/>
+          </p:cNvCxnSpPr>
+          <p:nvPr/>
+        </p:nvCxnSpPr>
+        <p:spPr>
+          <a:xfrm>
+            <a:off x="6046460" y="2564904"/>
+            <a:ext cx="1704" cy="504056"/>
+          </a:xfrm>
+          <a:prstGeom prst="straightConnector1">
+            <a:avLst/>
+          </a:prstGeom>
+          <a:ln>
+            <a:tailEnd type="arrow"/>
+          </a:ln>
+        </p:spPr>
+        <p:style>
+          <a:lnRef idx="1">
+            <a:schemeClr val="accent1"/>
+          </a:lnRef>
+          <a:fillRef idx="0">
+            <a:schemeClr val="accent1"/>
+          </a:fillRef>
+          <a:effectRef idx="0">
+            <a:schemeClr val="accent1"/>
+          </a:effectRef>
+          <a:fontRef idx="minor">
+            <a:schemeClr val="tx1"/>
+          </a:fontRef>
+        </p:style>
+      </p:cxnSp>
+      <p:sp>
+        <p:nvSpPr>
+          <p:cNvPr id="39" name="矩形 38"/>
+          <p:cNvSpPr/>
+          <p:nvPr/>
+        </p:nvSpPr>
+        <p:spPr>
+          <a:xfrm>
+            <a:off x="4722035" y="5301208"/>
+            <a:ext cx="2620570" cy="504056"/>
+          </a:xfrm>
+          <a:prstGeom prst="rect">
+            <a:avLst/>
+          </a:prstGeom>
+          <a:solidFill>
+            <a:schemeClr val="accent5">
+              <a:lumMod val="75000"/>
+            </a:schemeClr>
+          </a:solidFill>
+          <a:ln w="3175"/>
+        </p:spPr>
+        <p:style>
+          <a:lnRef idx="2">
+            <a:schemeClr val="accent1">
+              <a:shade val="50000"/>
+            </a:schemeClr>
+          </a:lnRef>
+          <a:fillRef idx="1">
+            <a:schemeClr val="accent1"/>
+          </a:fillRef>
+          <a:effectRef idx="0">
+            <a:schemeClr val="accent1"/>
+          </a:effectRef>
+          <a:fontRef idx="minor">
+            <a:schemeClr val="lt1"/>
+          </a:fontRef>
+        </p:style>
+        <p:txBody>
+          <a:bodyPr rtlCol="0" anchor="ctr"/>
+          <a:lstStyle/>
+          <a:p>
+            <a:pPr algn="ctr"/>
+            <a:r>
+              <a:rPr lang="en-US" altLang="zh-CN" sz="1400" dirty="0" smtClean="0">
+                <a:solidFill>
+                  <a:schemeClr val="bg1"/>
+                </a:solidFill>
+              </a:rPr>
+              <a:t>Custom Sink</a:t>
+            </a:r>
+            <a:endParaRPr lang="zh-CN" altLang="en-US" sz="1400" dirty="0">
+              <a:solidFill>
+                <a:schemeClr val="bg1"/>
+              </a:solidFill>
+            </a:endParaRPr>
+          </a:p>
+        </p:txBody>
+      </p:sp>
     </p:spTree>
   </p:cSld>
   <p:clrMapOvr>
@@ -3969,7 +4762,7 @@
                   <a:schemeClr val="bg1"/>
                 </a:solidFill>
               </a:rPr>
-              <a:t>LogFiler</a:t>
+              <a:t>LogFile</a:t>
             </a:r>
             <a:endParaRPr lang="zh-CN" altLang="en-US" sz="1400" dirty="0">
               <a:solidFill>

--- a/heasy-iot-emqx-collector/doc/数据收集和分发的架构图.pptx
+++ b/heasy-iot-emqx-collector/doc/数据收集和分发的架构图.pptx
@@ -7,6 +7,7 @@
   <p:sldIdLst>
     <p:sldId id="257" r:id="rId2"/>
     <p:sldId id="258" r:id="rId3"/>
+    <p:sldId id="259" r:id="rId4"/>
   </p:sldIdLst>
   <p:sldSz cx="9144000" cy="6858000" type="screen4x3"/>
   <p:notesSz cx="6858000" cy="9144000"/>
@@ -290,7 +291,7 @@
             <a:fld id="{3907E3D6-41C7-453C-A684-612D68346621}" type="datetimeFigureOut">
               <a:rPr lang="zh-CN" altLang="en-US" smtClean="0"/>
               <a:pPr/>
-              <a:t>2021/3/11</a:t>
+              <a:t>2021/3/15</a:t>
             </a:fld>
             <a:endParaRPr lang="zh-CN" altLang="en-US"/>
           </a:p>
@@ -457,7 +458,7 @@
             <a:fld id="{3907E3D6-41C7-453C-A684-612D68346621}" type="datetimeFigureOut">
               <a:rPr lang="zh-CN" altLang="en-US" smtClean="0"/>
               <a:pPr/>
-              <a:t>2021/3/11</a:t>
+              <a:t>2021/3/15</a:t>
             </a:fld>
             <a:endParaRPr lang="zh-CN" altLang="en-US"/>
           </a:p>
@@ -634,7 +635,7 @@
             <a:fld id="{3907E3D6-41C7-453C-A684-612D68346621}" type="datetimeFigureOut">
               <a:rPr lang="zh-CN" altLang="en-US" smtClean="0"/>
               <a:pPr/>
-              <a:t>2021/3/11</a:t>
+              <a:t>2021/3/15</a:t>
             </a:fld>
             <a:endParaRPr lang="zh-CN" altLang="en-US"/>
           </a:p>
@@ -801,7 +802,7 @@
             <a:fld id="{3907E3D6-41C7-453C-A684-612D68346621}" type="datetimeFigureOut">
               <a:rPr lang="zh-CN" altLang="en-US" smtClean="0"/>
               <a:pPr/>
-              <a:t>2021/3/11</a:t>
+              <a:t>2021/3/15</a:t>
             </a:fld>
             <a:endParaRPr lang="zh-CN" altLang="en-US"/>
           </a:p>
@@ -1044,7 +1045,7 @@
             <a:fld id="{3907E3D6-41C7-453C-A684-612D68346621}" type="datetimeFigureOut">
               <a:rPr lang="zh-CN" altLang="en-US" smtClean="0"/>
               <a:pPr/>
-              <a:t>2021/3/11</a:t>
+              <a:t>2021/3/15</a:t>
             </a:fld>
             <a:endParaRPr lang="zh-CN" altLang="en-US"/>
           </a:p>
@@ -1329,7 +1330,7 @@
             <a:fld id="{3907E3D6-41C7-453C-A684-612D68346621}" type="datetimeFigureOut">
               <a:rPr lang="zh-CN" altLang="en-US" smtClean="0"/>
               <a:pPr/>
-              <a:t>2021/3/11</a:t>
+              <a:t>2021/3/15</a:t>
             </a:fld>
             <a:endParaRPr lang="zh-CN" altLang="en-US"/>
           </a:p>
@@ -1748,7 +1749,7 @@
             <a:fld id="{3907E3D6-41C7-453C-A684-612D68346621}" type="datetimeFigureOut">
               <a:rPr lang="zh-CN" altLang="en-US" smtClean="0"/>
               <a:pPr/>
-              <a:t>2021/3/11</a:t>
+              <a:t>2021/3/15</a:t>
             </a:fld>
             <a:endParaRPr lang="zh-CN" altLang="en-US"/>
           </a:p>
@@ -1863,7 +1864,7 @@
             <a:fld id="{3907E3D6-41C7-453C-A684-612D68346621}" type="datetimeFigureOut">
               <a:rPr lang="zh-CN" altLang="en-US" smtClean="0"/>
               <a:pPr/>
-              <a:t>2021/3/11</a:t>
+              <a:t>2021/3/15</a:t>
             </a:fld>
             <a:endParaRPr lang="zh-CN" altLang="en-US"/>
           </a:p>
@@ -1955,7 +1956,7 @@
             <a:fld id="{3907E3D6-41C7-453C-A684-612D68346621}" type="datetimeFigureOut">
               <a:rPr lang="zh-CN" altLang="en-US" smtClean="0"/>
               <a:pPr/>
-              <a:t>2021/3/11</a:t>
+              <a:t>2021/3/15</a:t>
             </a:fld>
             <a:endParaRPr lang="zh-CN" altLang="en-US"/>
           </a:p>
@@ -2229,7 +2230,7 @@
             <a:fld id="{3907E3D6-41C7-453C-A684-612D68346621}" type="datetimeFigureOut">
               <a:rPr lang="zh-CN" altLang="en-US" smtClean="0"/>
               <a:pPr/>
-              <a:t>2021/3/11</a:t>
+              <a:t>2021/3/15</a:t>
             </a:fld>
             <a:endParaRPr lang="zh-CN" altLang="en-US"/>
           </a:p>
@@ -2479,7 +2480,7 @@
             <a:fld id="{3907E3D6-41C7-453C-A684-612D68346621}" type="datetimeFigureOut">
               <a:rPr lang="zh-CN" altLang="en-US" smtClean="0"/>
               <a:pPr/>
-              <a:t>2021/3/11</a:t>
+              <a:t>2021/3/15</a:t>
             </a:fld>
             <a:endParaRPr lang="zh-CN" altLang="en-US"/>
           </a:p>
@@ -2689,7 +2690,7 @@
             <a:fld id="{3907E3D6-41C7-453C-A684-612D68346621}" type="datetimeFigureOut">
               <a:rPr lang="zh-CN" altLang="en-US" smtClean="0"/>
               <a:pPr/>
-              <a:t>2021/3/11</a:t>
+              <a:t>2021/3/15</a:t>
             </a:fld>
             <a:endParaRPr lang="zh-CN" altLang="en-US"/>
           </a:p>
@@ -5327,6 +5328,893 @@
 </p:sld>
 </file>
 
+<file path=ppt/slides/slide3.xml><?xml version="1.0" encoding="utf-8"?>
+<p:sld xmlns:a="http://schemas.openxmlformats.org/drawingml/2006/main" xmlns:r="http://schemas.openxmlformats.org/officeDocument/2006/relationships" xmlns:p="http://schemas.openxmlformats.org/presentationml/2006/main">
+  <p:cSld>
+    <p:spTree>
+      <p:nvGrpSpPr>
+        <p:cNvPr id="1" name=""/>
+        <p:cNvGrpSpPr/>
+        <p:nvPr/>
+      </p:nvGrpSpPr>
+      <p:grpSpPr>
+        <a:xfrm>
+          <a:off x="0" y="0"/>
+          <a:ext cx="0" cy="0"/>
+          <a:chOff x="0" y="0"/>
+          <a:chExt cx="0" cy="0"/>
+        </a:xfrm>
+      </p:grpSpPr>
+      <p:sp>
+        <p:nvSpPr>
+          <p:cNvPr id="23" name="矩形 22"/>
+          <p:cNvSpPr/>
+          <p:nvPr/>
+        </p:nvSpPr>
+        <p:spPr>
+          <a:xfrm>
+            <a:off x="1907704" y="1156432"/>
+            <a:ext cx="864096" cy="904415"/>
+          </a:xfrm>
+          <a:prstGeom prst="rect">
+            <a:avLst/>
+          </a:prstGeom>
+          <a:solidFill>
+            <a:schemeClr val="accent1">
+              <a:lumMod val="75000"/>
+            </a:schemeClr>
+          </a:solidFill>
+          <a:ln w="3175"/>
+        </p:spPr>
+        <p:style>
+          <a:lnRef idx="2">
+            <a:schemeClr val="accent1">
+              <a:shade val="50000"/>
+            </a:schemeClr>
+          </a:lnRef>
+          <a:fillRef idx="1">
+            <a:schemeClr val="accent1"/>
+          </a:fillRef>
+          <a:effectRef idx="0">
+            <a:schemeClr val="accent1"/>
+          </a:effectRef>
+          <a:fontRef idx="minor">
+            <a:schemeClr val="lt1"/>
+          </a:fontRef>
+        </p:style>
+        <p:txBody>
+          <a:bodyPr rtlCol="0" anchor="ctr"/>
+          <a:lstStyle/>
+          <a:p>
+            <a:pPr algn="ctr"/>
+            <a:r>
+              <a:rPr lang="en-US" altLang="zh-CN" sz="1200" dirty="0" smtClean="0">
+                <a:solidFill>
+                  <a:schemeClr val="bg1"/>
+                </a:solidFill>
+              </a:rPr>
+              <a:t>Source</a:t>
+            </a:r>
+            <a:endParaRPr lang="en-US" altLang="zh-CN" sz="1200" dirty="0" smtClean="0">
+              <a:solidFill>
+                <a:schemeClr val="bg1"/>
+              </a:solidFill>
+            </a:endParaRPr>
+          </a:p>
+        </p:txBody>
+      </p:sp>
+      <p:sp>
+        <p:nvSpPr>
+          <p:cNvPr id="27" name="矩形 26"/>
+          <p:cNvSpPr/>
+          <p:nvPr/>
+        </p:nvSpPr>
+        <p:spPr>
+          <a:xfrm>
+            <a:off x="2267744" y="2073683"/>
+            <a:ext cx="1296144" cy="398814"/>
+          </a:xfrm>
+          <a:prstGeom prst="rect">
+            <a:avLst/>
+          </a:prstGeom>
+          <a:solidFill>
+            <a:schemeClr val="accent3">
+              <a:lumMod val="75000"/>
+            </a:schemeClr>
+          </a:solidFill>
+          <a:ln w="3175"/>
+        </p:spPr>
+        <p:style>
+          <a:lnRef idx="2">
+            <a:schemeClr val="accent1">
+              <a:shade val="50000"/>
+            </a:schemeClr>
+          </a:lnRef>
+          <a:fillRef idx="1">
+            <a:schemeClr val="accent1"/>
+          </a:fillRef>
+          <a:effectRef idx="0">
+            <a:schemeClr val="accent1"/>
+          </a:effectRef>
+          <a:fontRef idx="minor">
+            <a:schemeClr val="lt1"/>
+          </a:fontRef>
+        </p:style>
+        <p:txBody>
+          <a:bodyPr rtlCol="0" anchor="ctr"/>
+          <a:lstStyle/>
+          <a:p>
+            <a:pPr algn="ctr"/>
+            <a:r>
+              <a:rPr lang="en-US" altLang="zh-CN" sz="1200" dirty="0" err="1" smtClean="0">
+                <a:solidFill>
+                  <a:schemeClr val="bg1"/>
+                </a:solidFill>
+              </a:rPr>
+              <a:t>ChannelProcessor</a:t>
+            </a:r>
+            <a:endParaRPr lang="en-US" altLang="zh-CN" sz="1200" dirty="0" smtClean="0">
+              <a:solidFill>
+                <a:schemeClr val="bg1"/>
+              </a:solidFill>
+            </a:endParaRPr>
+          </a:p>
+        </p:txBody>
+      </p:sp>
+      <p:sp>
+        <p:nvSpPr>
+          <p:cNvPr id="28" name="矩形 27"/>
+          <p:cNvSpPr/>
+          <p:nvPr/>
+        </p:nvSpPr>
+        <p:spPr>
+          <a:xfrm>
+            <a:off x="2627784" y="3878836"/>
+            <a:ext cx="1231337" cy="398814"/>
+          </a:xfrm>
+          <a:prstGeom prst="rect">
+            <a:avLst/>
+          </a:prstGeom>
+          <a:solidFill>
+            <a:schemeClr val="accent3">
+              <a:lumMod val="60000"/>
+              <a:lumOff val="40000"/>
+            </a:schemeClr>
+          </a:solidFill>
+          <a:ln w="3175"/>
+        </p:spPr>
+        <p:style>
+          <a:lnRef idx="2">
+            <a:schemeClr val="accent1">
+              <a:shade val="50000"/>
+            </a:schemeClr>
+          </a:lnRef>
+          <a:fillRef idx="1">
+            <a:schemeClr val="accent1"/>
+          </a:fillRef>
+          <a:effectRef idx="0">
+            <a:schemeClr val="accent1"/>
+          </a:effectRef>
+          <a:fontRef idx="minor">
+            <a:schemeClr val="lt1"/>
+          </a:fontRef>
+        </p:style>
+        <p:txBody>
+          <a:bodyPr rtlCol="0" anchor="ctr"/>
+          <a:lstStyle/>
+          <a:p>
+            <a:pPr algn="ctr"/>
+            <a:r>
+              <a:rPr lang="en-US" altLang="zh-CN" sz="1200" dirty="0" err="1" smtClean="0">
+                <a:solidFill>
+                  <a:schemeClr val="tx1"/>
+                </a:solidFill>
+              </a:rPr>
+              <a:t>ChannelSelector</a:t>
+            </a:r>
+            <a:endParaRPr lang="en-US" altLang="zh-CN" sz="1200" dirty="0" smtClean="0">
+              <a:solidFill>
+                <a:schemeClr val="tx1"/>
+              </a:solidFill>
+            </a:endParaRPr>
+          </a:p>
+        </p:txBody>
+      </p:sp>
+      <p:sp>
+        <p:nvSpPr>
+          <p:cNvPr id="30" name="矩形 29"/>
+          <p:cNvSpPr/>
+          <p:nvPr/>
+        </p:nvSpPr>
+        <p:spPr>
+          <a:xfrm>
+            <a:off x="3203848" y="4283669"/>
+            <a:ext cx="1008112" cy="864096"/>
+          </a:xfrm>
+          <a:prstGeom prst="rect">
+            <a:avLst/>
+          </a:prstGeom>
+          <a:solidFill>
+            <a:schemeClr val="accent3">
+              <a:lumMod val="20000"/>
+              <a:lumOff val="80000"/>
+            </a:schemeClr>
+          </a:solidFill>
+          <a:ln w="3175"/>
+        </p:spPr>
+        <p:style>
+          <a:lnRef idx="2">
+            <a:schemeClr val="accent1">
+              <a:shade val="50000"/>
+            </a:schemeClr>
+          </a:lnRef>
+          <a:fillRef idx="1">
+            <a:schemeClr val="accent1"/>
+          </a:fillRef>
+          <a:effectRef idx="0">
+            <a:schemeClr val="accent1"/>
+          </a:effectRef>
+          <a:fontRef idx="minor">
+            <a:schemeClr val="lt1"/>
+          </a:fontRef>
+        </p:style>
+        <p:txBody>
+          <a:bodyPr rtlCol="0" anchor="ctr"/>
+          <a:lstStyle/>
+          <a:p>
+            <a:pPr algn="ctr"/>
+            <a:r>
+              <a:rPr lang="en-US" altLang="zh-CN" sz="1200" dirty="0" smtClean="0">
+                <a:solidFill>
+                  <a:schemeClr val="tx1"/>
+                </a:solidFill>
+              </a:rPr>
+              <a:t>Channel</a:t>
+            </a:r>
+          </a:p>
+          <a:p>
+            <a:pPr algn="ctr"/>
+            <a:r>
+              <a:rPr lang="en-US" altLang="zh-CN" sz="1200" dirty="0" smtClean="0">
+                <a:solidFill>
+                  <a:schemeClr val="tx1"/>
+                </a:solidFill>
+                <a:sym typeface="Wingdings" pitchFamily="2" charset="2"/>
+              </a:rPr>
+              <a:t></a:t>
+            </a:r>
+            <a:r>
+              <a:rPr lang="en-US" altLang="zh-CN" sz="1200" dirty="0" smtClean="0">
+                <a:solidFill>
+                  <a:schemeClr val="tx1"/>
+                </a:solidFill>
+              </a:rPr>
+              <a:t>put()</a:t>
+            </a:r>
+          </a:p>
+          <a:p>
+            <a:pPr algn="ctr"/>
+            <a:r>
+              <a:rPr lang="en-US" altLang="zh-CN" sz="1200" dirty="0" smtClean="0">
+                <a:solidFill>
+                  <a:schemeClr val="tx1"/>
+                </a:solidFill>
+              </a:rPr>
+              <a:t>take() </a:t>
+            </a:r>
+            <a:r>
+              <a:rPr lang="en-US" altLang="zh-CN" sz="1200" dirty="0" smtClean="0">
+                <a:solidFill>
+                  <a:schemeClr val="tx1"/>
+                </a:solidFill>
+                <a:sym typeface="Wingdings" pitchFamily="2" charset="2"/>
+              </a:rPr>
+              <a:t></a:t>
+            </a:r>
+          </a:p>
+          <a:p>
+            <a:pPr algn="ctr"/>
+            <a:r>
+              <a:rPr lang="en-US" altLang="zh-CN" sz="1200" dirty="0" smtClean="0">
+                <a:solidFill>
+                  <a:schemeClr val="tx1"/>
+                </a:solidFill>
+              </a:rPr>
+              <a:t>transaction()</a:t>
+            </a:r>
+            <a:endParaRPr lang="en-US" altLang="zh-CN" sz="1200" dirty="0" smtClean="0">
+              <a:solidFill>
+                <a:schemeClr val="tx1"/>
+              </a:solidFill>
+            </a:endParaRPr>
+          </a:p>
+        </p:txBody>
+      </p:sp>
+      <p:sp>
+        <p:nvSpPr>
+          <p:cNvPr id="31" name="矩形 30"/>
+          <p:cNvSpPr/>
+          <p:nvPr/>
+        </p:nvSpPr>
+        <p:spPr>
+          <a:xfrm>
+            <a:off x="7380312" y="1988840"/>
+            <a:ext cx="864096" cy="398814"/>
+          </a:xfrm>
+          <a:prstGeom prst="rect">
+            <a:avLst/>
+          </a:prstGeom>
+          <a:solidFill>
+            <a:schemeClr val="accent3">
+              <a:lumMod val="75000"/>
+            </a:schemeClr>
+          </a:solidFill>
+          <a:ln w="3175"/>
+        </p:spPr>
+        <p:style>
+          <a:lnRef idx="2">
+            <a:schemeClr val="accent1">
+              <a:shade val="50000"/>
+            </a:schemeClr>
+          </a:lnRef>
+          <a:fillRef idx="1">
+            <a:schemeClr val="accent1"/>
+          </a:fillRef>
+          <a:effectRef idx="0">
+            <a:schemeClr val="accent1"/>
+          </a:effectRef>
+          <a:fontRef idx="minor">
+            <a:schemeClr val="lt1"/>
+          </a:fontRef>
+        </p:style>
+        <p:txBody>
+          <a:bodyPr rtlCol="0" anchor="ctr"/>
+          <a:lstStyle/>
+          <a:p>
+            <a:pPr algn="ctr"/>
+            <a:r>
+              <a:rPr lang="en-US" altLang="zh-CN" sz="1200" dirty="0" smtClean="0">
+                <a:solidFill>
+                  <a:schemeClr val="bg1"/>
+                </a:solidFill>
+              </a:rPr>
+              <a:t>Channel</a:t>
+            </a:r>
+            <a:endParaRPr lang="en-US" altLang="zh-CN" sz="1200" dirty="0" smtClean="0">
+              <a:solidFill>
+                <a:schemeClr val="bg1"/>
+              </a:solidFill>
+            </a:endParaRPr>
+          </a:p>
+        </p:txBody>
+      </p:sp>
+      <p:sp>
+        <p:nvSpPr>
+          <p:cNvPr id="32" name="矩形 31"/>
+          <p:cNvSpPr/>
+          <p:nvPr/>
+        </p:nvSpPr>
+        <p:spPr>
+          <a:xfrm>
+            <a:off x="6804248" y="1178694"/>
+            <a:ext cx="1008112" cy="810145"/>
+          </a:xfrm>
+          <a:prstGeom prst="rect">
+            <a:avLst/>
+          </a:prstGeom>
+          <a:solidFill>
+            <a:schemeClr val="accent1">
+              <a:lumMod val="75000"/>
+            </a:schemeClr>
+          </a:solidFill>
+          <a:ln w="3175"/>
+        </p:spPr>
+        <p:style>
+          <a:lnRef idx="2">
+            <a:schemeClr val="accent1">
+              <a:shade val="50000"/>
+            </a:schemeClr>
+          </a:lnRef>
+          <a:fillRef idx="1">
+            <a:schemeClr val="accent1"/>
+          </a:fillRef>
+          <a:effectRef idx="0">
+            <a:schemeClr val="accent1"/>
+          </a:effectRef>
+          <a:fontRef idx="minor">
+            <a:schemeClr val="lt1"/>
+          </a:fontRef>
+        </p:style>
+        <p:txBody>
+          <a:bodyPr rtlCol="0" anchor="ctr"/>
+          <a:lstStyle/>
+          <a:p>
+            <a:pPr algn="ctr"/>
+            <a:r>
+              <a:rPr lang="en-US" altLang="zh-CN" sz="1200" dirty="0" smtClean="0">
+                <a:solidFill>
+                  <a:schemeClr val="bg1"/>
+                </a:solidFill>
+              </a:rPr>
+              <a:t>Sink</a:t>
+            </a:r>
+          </a:p>
+          <a:p>
+            <a:pPr algn="ctr"/>
+            <a:r>
+              <a:rPr lang="en-US" altLang="zh-CN" sz="1200" dirty="0" smtClean="0">
+                <a:solidFill>
+                  <a:schemeClr val="bg1"/>
+                </a:solidFill>
+              </a:rPr>
+              <a:t>process()</a:t>
+            </a:r>
+            <a:endParaRPr lang="en-US" altLang="zh-CN" sz="1200" dirty="0" smtClean="0">
+              <a:solidFill>
+                <a:schemeClr val="bg1"/>
+              </a:solidFill>
+            </a:endParaRPr>
+          </a:p>
+        </p:txBody>
+      </p:sp>
+      <p:sp>
+        <p:nvSpPr>
+          <p:cNvPr id="33" name="矩形 32"/>
+          <p:cNvSpPr/>
+          <p:nvPr/>
+        </p:nvSpPr>
+        <p:spPr>
+          <a:xfrm>
+            <a:off x="3203848" y="2881217"/>
+            <a:ext cx="1008112" cy="864096"/>
+          </a:xfrm>
+          <a:prstGeom prst="rect">
+            <a:avLst/>
+          </a:prstGeom>
+          <a:solidFill>
+            <a:schemeClr val="accent3">
+              <a:lumMod val="20000"/>
+              <a:lumOff val="80000"/>
+            </a:schemeClr>
+          </a:solidFill>
+          <a:ln w="3175"/>
+        </p:spPr>
+        <p:style>
+          <a:lnRef idx="2">
+            <a:schemeClr val="accent1">
+              <a:shade val="50000"/>
+            </a:schemeClr>
+          </a:lnRef>
+          <a:fillRef idx="1">
+            <a:schemeClr val="accent1"/>
+          </a:fillRef>
+          <a:effectRef idx="0">
+            <a:schemeClr val="accent1"/>
+          </a:effectRef>
+          <a:fontRef idx="minor">
+            <a:schemeClr val="lt1"/>
+          </a:fontRef>
+        </p:style>
+        <p:txBody>
+          <a:bodyPr rtlCol="0" anchor="ctr"/>
+          <a:lstStyle/>
+          <a:p>
+            <a:pPr algn="ctr"/>
+            <a:r>
+              <a:rPr lang="en-US" altLang="zh-CN" sz="1200" dirty="0" smtClean="0">
+                <a:solidFill>
+                  <a:schemeClr val="tx1"/>
+                </a:solidFill>
+              </a:rPr>
+              <a:t>Interceptor</a:t>
+            </a:r>
+          </a:p>
+          <a:p>
+            <a:pPr algn="ctr"/>
+            <a:r>
+              <a:rPr lang="en-US" altLang="zh-CN" sz="1200" dirty="0" smtClean="0">
+                <a:solidFill>
+                  <a:schemeClr val="tx1"/>
+                </a:solidFill>
+              </a:rPr>
+              <a:t>initialize()</a:t>
+            </a:r>
+          </a:p>
+          <a:p>
+            <a:pPr algn="ctr"/>
+            <a:r>
+              <a:rPr lang="en-US" altLang="zh-CN" sz="1200" dirty="0" smtClean="0">
+                <a:solidFill>
+                  <a:schemeClr val="tx1"/>
+                </a:solidFill>
+              </a:rPr>
+              <a:t>intercept()</a:t>
+            </a:r>
+          </a:p>
+          <a:p>
+            <a:pPr algn="ctr"/>
+            <a:r>
+              <a:rPr lang="en-US" altLang="zh-CN" sz="1200" dirty="0" smtClean="0">
+                <a:solidFill>
+                  <a:schemeClr val="tx1"/>
+                </a:solidFill>
+              </a:rPr>
+              <a:t>close()</a:t>
+            </a:r>
+            <a:endParaRPr lang="en-US" altLang="zh-CN" sz="1200" dirty="0" smtClean="0">
+              <a:solidFill>
+                <a:schemeClr val="tx1"/>
+              </a:solidFill>
+            </a:endParaRPr>
+          </a:p>
+        </p:txBody>
+      </p:sp>
+      <p:sp>
+        <p:nvSpPr>
+          <p:cNvPr id="36" name="矩形 35"/>
+          <p:cNvSpPr/>
+          <p:nvPr/>
+        </p:nvSpPr>
+        <p:spPr>
+          <a:xfrm>
+            <a:off x="2627784" y="2477450"/>
+            <a:ext cx="1296144" cy="398814"/>
+          </a:xfrm>
+          <a:prstGeom prst="rect">
+            <a:avLst/>
+          </a:prstGeom>
+          <a:solidFill>
+            <a:schemeClr val="accent3">
+              <a:lumMod val="60000"/>
+              <a:lumOff val="40000"/>
+            </a:schemeClr>
+          </a:solidFill>
+          <a:ln w="3175"/>
+        </p:spPr>
+        <p:style>
+          <a:lnRef idx="2">
+            <a:schemeClr val="accent1">
+              <a:shade val="50000"/>
+            </a:schemeClr>
+          </a:lnRef>
+          <a:fillRef idx="1">
+            <a:schemeClr val="accent1"/>
+          </a:fillRef>
+          <a:effectRef idx="0">
+            <a:schemeClr val="accent1"/>
+          </a:effectRef>
+          <a:fontRef idx="minor">
+            <a:schemeClr val="lt1"/>
+          </a:fontRef>
+        </p:style>
+        <p:txBody>
+          <a:bodyPr rtlCol="0" anchor="ctr"/>
+          <a:lstStyle/>
+          <a:p>
+            <a:pPr algn="ctr"/>
+            <a:r>
+              <a:rPr lang="en-US" altLang="zh-CN" sz="1200" dirty="0" err="1" smtClean="0">
+                <a:solidFill>
+                  <a:schemeClr val="tx1"/>
+                </a:solidFill>
+              </a:rPr>
+              <a:t>InterceptorChain</a:t>
+            </a:r>
+            <a:endParaRPr lang="en-US" altLang="zh-CN" sz="1200" dirty="0" smtClean="0">
+              <a:solidFill>
+                <a:schemeClr val="tx1"/>
+              </a:solidFill>
+            </a:endParaRPr>
+          </a:p>
+        </p:txBody>
+      </p:sp>
+      <p:sp>
+        <p:nvSpPr>
+          <p:cNvPr id="37" name="矩形 36"/>
+          <p:cNvSpPr/>
+          <p:nvPr/>
+        </p:nvSpPr>
+        <p:spPr>
+          <a:xfrm>
+            <a:off x="4427984" y="1156433"/>
+            <a:ext cx="1368152" cy="864096"/>
+          </a:xfrm>
+          <a:prstGeom prst="rect">
+            <a:avLst/>
+          </a:prstGeom>
+          <a:solidFill>
+            <a:schemeClr val="accent1">
+              <a:lumMod val="75000"/>
+            </a:schemeClr>
+          </a:solidFill>
+          <a:ln w="3175"/>
+        </p:spPr>
+        <p:style>
+          <a:lnRef idx="2">
+            <a:schemeClr val="accent1">
+              <a:shade val="50000"/>
+            </a:schemeClr>
+          </a:lnRef>
+          <a:fillRef idx="1">
+            <a:schemeClr val="accent1"/>
+          </a:fillRef>
+          <a:effectRef idx="0">
+            <a:schemeClr val="accent1"/>
+          </a:effectRef>
+          <a:fontRef idx="minor">
+            <a:schemeClr val="lt1"/>
+          </a:fontRef>
+        </p:style>
+        <p:txBody>
+          <a:bodyPr rtlCol="0" anchor="ctr"/>
+          <a:lstStyle/>
+          <a:p>
+            <a:pPr algn="ctr"/>
+            <a:r>
+              <a:rPr lang="en-US" altLang="zh-CN" sz="1200" dirty="0" smtClean="0">
+                <a:solidFill>
+                  <a:schemeClr val="bg1"/>
+                </a:solidFill>
+              </a:rPr>
+              <a:t>Channel</a:t>
+            </a:r>
+          </a:p>
+          <a:p>
+            <a:pPr algn="ctr"/>
+            <a:r>
+              <a:rPr lang="en-US" altLang="zh-CN" sz="1200" dirty="0" smtClean="0">
+                <a:solidFill>
+                  <a:schemeClr val="bg1"/>
+                </a:solidFill>
+                <a:sym typeface="Wingdings" pitchFamily="2" charset="2"/>
+              </a:rPr>
+              <a:t></a:t>
+            </a:r>
+            <a:r>
+              <a:rPr lang="en-US" altLang="zh-CN" sz="1200" dirty="0" smtClean="0">
+                <a:solidFill>
+                  <a:schemeClr val="bg1"/>
+                </a:solidFill>
+              </a:rPr>
+              <a:t>put()</a:t>
+            </a:r>
+          </a:p>
+          <a:p>
+            <a:pPr algn="ctr"/>
+            <a:r>
+              <a:rPr lang="en-US" altLang="zh-CN" sz="1200" dirty="0" smtClean="0">
+                <a:solidFill>
+                  <a:schemeClr val="bg1"/>
+                </a:solidFill>
+              </a:rPr>
+              <a:t>take() </a:t>
+            </a:r>
+            <a:r>
+              <a:rPr lang="en-US" altLang="zh-CN" sz="1200" dirty="0" smtClean="0">
+                <a:solidFill>
+                  <a:schemeClr val="bg1"/>
+                </a:solidFill>
+                <a:sym typeface="Wingdings" pitchFamily="2" charset="2"/>
+              </a:rPr>
+              <a:t></a:t>
+            </a:r>
+          </a:p>
+          <a:p>
+            <a:pPr algn="ctr"/>
+            <a:r>
+              <a:rPr lang="en-US" altLang="zh-CN" sz="1200" dirty="0" smtClean="0">
+                <a:solidFill>
+                  <a:schemeClr val="bg1"/>
+                </a:solidFill>
+              </a:rPr>
+              <a:t>transaction</a:t>
+            </a:r>
+            <a:r>
+              <a:rPr lang="en-US" altLang="zh-CN" sz="1200" dirty="0" smtClean="0">
+                <a:solidFill>
+                  <a:schemeClr val="bg1"/>
+                </a:solidFill>
+              </a:rPr>
+              <a:t>()</a:t>
+            </a:r>
+            <a:endParaRPr lang="en-US" altLang="zh-CN" sz="1200" dirty="0" smtClean="0">
+              <a:solidFill>
+                <a:schemeClr val="bg1"/>
+              </a:solidFill>
+            </a:endParaRPr>
+          </a:p>
+        </p:txBody>
+      </p:sp>
+      <p:sp>
+        <p:nvSpPr>
+          <p:cNvPr id="38" name="右箭头 37"/>
+          <p:cNvSpPr/>
+          <p:nvPr/>
+        </p:nvSpPr>
+        <p:spPr>
+          <a:xfrm>
+            <a:off x="899592" y="1556792"/>
+            <a:ext cx="864096" cy="216024"/>
+          </a:xfrm>
+          <a:prstGeom prst="rightArrow">
+            <a:avLst/>
+          </a:prstGeom>
+          <a:solidFill>
+            <a:schemeClr val="accent6">
+              <a:lumMod val="75000"/>
+            </a:schemeClr>
+          </a:solidFill>
+          <a:ln w="3175">
+            <a:noFill/>
+          </a:ln>
+        </p:spPr>
+        <p:style>
+          <a:lnRef idx="2">
+            <a:schemeClr val="accent1">
+              <a:shade val="50000"/>
+            </a:schemeClr>
+          </a:lnRef>
+          <a:fillRef idx="1">
+            <a:schemeClr val="accent1"/>
+          </a:fillRef>
+          <a:effectRef idx="0">
+            <a:schemeClr val="accent1"/>
+          </a:effectRef>
+          <a:fontRef idx="minor">
+            <a:schemeClr val="lt1"/>
+          </a:fontRef>
+        </p:style>
+        <p:txBody>
+          <a:bodyPr rtlCol="0" anchor="ctr"/>
+          <a:lstStyle/>
+          <a:p>
+            <a:pPr algn="ctr"/>
+            <a:endParaRPr lang="zh-CN" altLang="en-US"/>
+          </a:p>
+        </p:txBody>
+      </p:sp>
+      <p:sp>
+        <p:nvSpPr>
+          <p:cNvPr id="39" name="TextBox 38"/>
+          <p:cNvSpPr txBox="1"/>
+          <p:nvPr/>
+        </p:nvSpPr>
+        <p:spPr>
+          <a:xfrm>
+            <a:off x="899592" y="1382579"/>
+            <a:ext cx="736099" cy="246221"/>
+          </a:xfrm>
+          <a:prstGeom prst="rect">
+            <a:avLst/>
+          </a:prstGeom>
+          <a:noFill/>
+        </p:spPr>
+        <p:txBody>
+          <a:bodyPr wrap="none" rtlCol="0">
+            <a:spAutoFit/>
+          </a:bodyPr>
+          <a:lstStyle/>
+          <a:p>
+            <a:r>
+              <a:rPr lang="zh-CN" altLang="en-US" sz="1000" dirty="0" smtClean="0"/>
+              <a:t>推</a:t>
+            </a:r>
+            <a:r>
+              <a:rPr lang="zh-CN" altLang="en-US" sz="1000" dirty="0" smtClean="0"/>
+              <a:t>送</a:t>
+            </a:r>
+            <a:r>
+              <a:rPr lang="en-US" altLang="zh-CN" sz="1000" dirty="0" smtClean="0"/>
+              <a:t>Event</a:t>
+            </a:r>
+            <a:endParaRPr lang="zh-CN" altLang="en-US" sz="1000" dirty="0"/>
+          </a:p>
+        </p:txBody>
+      </p:sp>
+      <p:sp>
+        <p:nvSpPr>
+          <p:cNvPr id="40" name="右箭头 39"/>
+          <p:cNvSpPr/>
+          <p:nvPr/>
+        </p:nvSpPr>
+        <p:spPr>
+          <a:xfrm>
+            <a:off x="3563888" y="1196752"/>
+            <a:ext cx="360040" cy="792088"/>
+          </a:xfrm>
+          <a:prstGeom prst="rightArrow">
+            <a:avLst/>
+          </a:prstGeom>
+          <a:solidFill>
+            <a:srgbClr val="FFFF00"/>
+          </a:solidFill>
+          <a:ln w="3175">
+            <a:solidFill>
+              <a:srgbClr val="C00000"/>
+            </a:solidFill>
+          </a:ln>
+        </p:spPr>
+        <p:style>
+          <a:lnRef idx="2">
+            <a:schemeClr val="accent1">
+              <a:shade val="50000"/>
+            </a:schemeClr>
+          </a:lnRef>
+          <a:fillRef idx="1">
+            <a:schemeClr val="accent1"/>
+          </a:fillRef>
+          <a:effectRef idx="0">
+            <a:schemeClr val="accent1"/>
+          </a:effectRef>
+          <a:fontRef idx="minor">
+            <a:schemeClr val="lt1"/>
+          </a:fontRef>
+        </p:style>
+        <p:txBody>
+          <a:bodyPr rtlCol="0" anchor="ctr"/>
+          <a:lstStyle/>
+          <a:p>
+            <a:pPr algn="ctr"/>
+            <a:endParaRPr lang="zh-CN" altLang="en-US"/>
+          </a:p>
+        </p:txBody>
+      </p:sp>
+      <p:sp>
+        <p:nvSpPr>
+          <p:cNvPr id="41" name="右箭头 40"/>
+          <p:cNvSpPr/>
+          <p:nvPr/>
+        </p:nvSpPr>
+        <p:spPr>
+          <a:xfrm>
+            <a:off x="6156176" y="1196752"/>
+            <a:ext cx="360040" cy="792088"/>
+          </a:xfrm>
+          <a:prstGeom prst="rightArrow">
+            <a:avLst/>
+          </a:prstGeom>
+          <a:solidFill>
+            <a:srgbClr val="FFFF00"/>
+          </a:solidFill>
+          <a:ln w="3175">
+            <a:solidFill>
+              <a:srgbClr val="C00000"/>
+            </a:solidFill>
+          </a:ln>
+        </p:spPr>
+        <p:style>
+          <a:lnRef idx="2">
+            <a:schemeClr val="accent1">
+              <a:shade val="50000"/>
+            </a:schemeClr>
+          </a:lnRef>
+          <a:fillRef idx="1">
+            <a:schemeClr val="accent1"/>
+          </a:fillRef>
+          <a:effectRef idx="0">
+            <a:schemeClr val="accent1"/>
+          </a:effectRef>
+          <a:fontRef idx="minor">
+            <a:schemeClr val="lt1"/>
+          </a:fontRef>
+        </p:style>
+        <p:txBody>
+          <a:bodyPr rtlCol="0" anchor="ctr"/>
+          <a:lstStyle/>
+          <a:p>
+            <a:pPr algn="ctr"/>
+            <a:endParaRPr lang="zh-CN" altLang="en-US"/>
+          </a:p>
+        </p:txBody>
+      </p:sp>
+    </p:spTree>
+  </p:cSld>
+  <p:clrMapOvr>
+    <a:masterClrMapping/>
+  </p:clrMapOvr>
+</p:sld>
+</file>
+
 <file path=ppt/theme/theme1.xml><?xml version="1.0" encoding="utf-8"?>
 <a:theme xmlns:a="http://schemas.openxmlformats.org/drawingml/2006/main" name="Office 主题">
   <a:themeElements>
